--- a/data/istrazivanje/002_1_upute_za_istrazivanje.pptx
+++ b/data/istrazivanje/002_1_upute_za_istrazivanje.pptx
@@ -119,7 +119,7 @@
   </p:defaultTextStyle>
   <p:extLst>
     <p:ext uri="{EFAFB233-063F-42B5-8137-9DF3F51BA10A}">
-      <p15:sldGuideLst xmlns="" xmlns:p15="http://schemas.microsoft.com/office/powerpoint/2012/main">
+      <p15:sldGuideLst xmlns:p15="http://schemas.microsoft.com/office/powerpoint/2012/main" xmlns="">
         <p15:guide id="1" orient="horz" pos="2160">
           <p15:clr>
             <a:srgbClr val="A4A3A4"/>
@@ -219,7 +219,7 @@
             <a:fld id="{F166AA82-D024-43CF-936D-19CC7B58933F}" type="datetimeFigureOut">
               <a:rPr lang="sr-Latn-CS" smtClean="0"/>
               <a:pPr/>
-              <a:t>16.10.2017.</a:t>
+              <a:t>17.10.2017.</a:t>
             </a:fld>
             <a:endParaRPr lang="hr-HR"/>
           </a:p>
@@ -8658,7 +8658,7 @@
         <p:spPr>
           <a:xfrm>
             <a:off x="467544" y="5668978"/>
-            <a:ext cx="1214446" cy="357190"/>
+            <a:ext cx="1112852" cy="357190"/>
           </a:xfrm>
           <a:prstGeom prst="rect">
             <a:avLst/>
@@ -9593,7 +9593,14 @@
                 <a:latin typeface="Calibri" pitchFamily="34" charset="0"/>
                 <a:cs typeface="Calibri" pitchFamily="34" charset="0"/>
               </a:rPr>
-              <a:t>Mladi i izvanškolske aktivnosti</a:t>
+              <a:t>Mladi </a:t>
+            </a:r>
+            <a:r>
+              <a:rPr lang="hr-HR" sz="2400" dirty="0" smtClean="0">
+                <a:latin typeface="Calibri" pitchFamily="34" charset="0"/>
+                <a:cs typeface="Calibri" pitchFamily="34" charset="0"/>
+              </a:rPr>
+              <a:t>i izvanškolske aktivnosti</a:t>
             </a:r>
           </a:p>
           <a:p>
@@ -9654,28 +9661,18 @@
               <a:buChar char="–"/>
             </a:pPr>
             <a:r>
-              <a:rPr lang="hr-HR" sz="2400" dirty="0" smtClean="0">
-                <a:latin typeface="Calibri" pitchFamily="34" charset="0"/>
-                <a:cs typeface="Calibri" pitchFamily="34" charset="0"/>
-              </a:rPr>
-              <a:t>Mladi i alkohol</a:t>
-            </a:r>
-          </a:p>
-          <a:p>
-            <a:pPr>
-              <a:spcBef>
-                <a:spcPts val="0"/>
-              </a:spcBef>
-              <a:buSzPct val="100000"/>
-              <a:buFont typeface="Calibri" panose="020F0502020204030204" pitchFamily="34" charset="0"/>
-              <a:buChar char="–"/>
-            </a:pPr>
-            <a:r>
               <a:rPr lang="pl-PL" sz="2400" dirty="0" smtClean="0">
                 <a:latin typeface="Calibri" pitchFamily="34" charset="0"/>
                 <a:cs typeface="Calibri" pitchFamily="34" charset="0"/>
               </a:rPr>
-              <a:t>Utjecaj prehrane na aktivnosti mladih</a:t>
+              <a:t>Utjecaj </a:t>
+            </a:r>
+            <a:r>
+              <a:rPr lang="pl-PL" sz="2400" dirty="0" smtClean="0">
+                <a:latin typeface="Calibri" pitchFamily="34" charset="0"/>
+                <a:cs typeface="Calibri" pitchFamily="34" charset="0"/>
+              </a:rPr>
+              <a:t>prehrane na aktivnosti mladih</a:t>
             </a:r>
           </a:p>
           <a:p>
@@ -9752,15 +9749,7 @@
             </a:pPr>
             <a:r>
               <a:rPr lang="hr-HR" dirty="0" smtClean="0"/>
-              <a:t>TEME </a:t>
-            </a:r>
-            <a:r>
-              <a:rPr lang="hr-HR" dirty="0" smtClean="0"/>
-              <a:t>ISTRAŽIVANJA PRIJAŠNJIH </a:t>
-            </a:r>
-            <a:r>
-              <a:rPr lang="hr-HR" dirty="0" smtClean="0"/>
-              <a:t>GODINA</a:t>
+              <a:t>TEME ISTRAŽIVANJA PRIJAŠNJIH GODINA</a:t>
             </a:r>
             <a:endParaRPr lang="hr-HR" dirty="0"/>
           </a:p>
@@ -9958,8 +9947,8 @@
         </p:nvSpPr>
         <p:spPr>
           <a:xfrm>
-            <a:off x="5752398" y="3752467"/>
-            <a:ext cx="285752" cy="1571636"/>
+            <a:off x="5752398" y="3776071"/>
+            <a:ext cx="285752" cy="1180794"/>
           </a:xfrm>
           <a:prstGeom prst="rightBrace">
             <a:avLst>
@@ -10008,7 +9997,7 @@
         </p:nvSpPr>
         <p:spPr>
           <a:xfrm>
-            <a:off x="6038150" y="4323971"/>
+            <a:off x="6129046" y="4135635"/>
             <a:ext cx="1414170" cy="461665"/>
           </a:xfrm>
           <a:prstGeom prst="rect">
@@ -10050,7 +10039,7 @@
         </p:nvSpPr>
         <p:spPr>
           <a:xfrm>
-            <a:off x="4358256" y="5496462"/>
+            <a:off x="4358256" y="5157192"/>
             <a:ext cx="285752" cy="1260673"/>
           </a:xfrm>
           <a:prstGeom prst="rightBrace">
@@ -10100,7 +10089,7 @@
         </p:nvSpPr>
         <p:spPr>
           <a:xfrm>
-            <a:off x="4714876" y="5835022"/>
+            <a:off x="4714876" y="5495752"/>
             <a:ext cx="1414170" cy="461665"/>
           </a:xfrm>
           <a:prstGeom prst="rect">

--- a/data/istrazivanje/002_1_upute_za_istrazivanje.pptx
+++ b/data/istrazivanje/002_1_upute_za_istrazivanje.pptx
@@ -5,20 +5,21 @@
     <p:sldMasterId id="2147483660" r:id="rId1"/>
   </p:sldMasterIdLst>
   <p:notesMasterIdLst>
-    <p:notesMasterId r:id="rId13"/>
+    <p:notesMasterId r:id="rId14"/>
   </p:notesMasterIdLst>
   <p:sldIdLst>
     <p:sldId id="376" r:id="rId2"/>
     <p:sldId id="377" r:id="rId3"/>
-    <p:sldId id="363" r:id="rId4"/>
-    <p:sldId id="364" r:id="rId5"/>
-    <p:sldId id="369" r:id="rId6"/>
-    <p:sldId id="370" r:id="rId7"/>
-    <p:sldId id="371" r:id="rId8"/>
-    <p:sldId id="372" r:id="rId9"/>
-    <p:sldId id="373" r:id="rId10"/>
-    <p:sldId id="374" r:id="rId11"/>
-    <p:sldId id="375" r:id="rId12"/>
+    <p:sldId id="378" r:id="rId4"/>
+    <p:sldId id="363" r:id="rId5"/>
+    <p:sldId id="364" r:id="rId6"/>
+    <p:sldId id="369" r:id="rId7"/>
+    <p:sldId id="370" r:id="rId8"/>
+    <p:sldId id="371" r:id="rId9"/>
+    <p:sldId id="372" r:id="rId10"/>
+    <p:sldId id="373" r:id="rId11"/>
+    <p:sldId id="374" r:id="rId12"/>
+    <p:sldId id="375" r:id="rId13"/>
   </p:sldIdLst>
   <p:sldSz cx="9144000" cy="6858000" type="screen4x3"/>
   <p:notesSz cx="6858000" cy="9144000"/>
@@ -119,7 +120,7 @@
   </p:defaultTextStyle>
   <p:extLst>
     <p:ext uri="{EFAFB233-063F-42B5-8137-9DF3F51BA10A}">
-      <p15:sldGuideLst xmlns:p15="http://schemas.microsoft.com/office/powerpoint/2012/main" xmlns="">
+      <p15:sldGuideLst xmlns="" xmlns:p15="http://schemas.microsoft.com/office/powerpoint/2012/main">
         <p15:guide id="1" orient="horz" pos="2160">
           <p15:clr>
             <a:srgbClr val="A4A3A4"/>
@@ -219,7 +220,7 @@
             <a:fld id="{F166AA82-D024-43CF-936D-19CC7B58933F}" type="datetimeFigureOut">
               <a:rPr lang="sr-Latn-CS" smtClean="0"/>
               <a:pPr/>
-              <a:t>17.10.2017.</a:t>
+              <a:t>12.10.2019.</a:t>
             </a:fld>
             <a:endParaRPr lang="hr-HR"/>
           </a:p>
@@ -3942,6 +3943,262 @@
           <a:chExt cx="0" cy="0"/>
         </a:xfrm>
       </p:grpSpPr>
+      <p:sp>
+        <p:nvSpPr>
+          <p:cNvPr id="2" name="Content Placeholder 1"/>
+          <p:cNvSpPr>
+            <a:spLocks noGrp="1"/>
+          </p:cNvSpPr>
+          <p:nvPr>
+            <p:ph sz="quarter" idx="1"/>
+          </p:nvPr>
+        </p:nvSpPr>
+        <p:spPr>
+          <a:xfrm>
+            <a:off x="-108520" y="764704"/>
+            <a:ext cx="9181114" cy="6021882"/>
+          </a:xfrm>
+        </p:spPr>
+        <p:txBody>
+          <a:bodyPr/>
+          <a:lstStyle/>
+          <a:p>
+            <a:pPr>
+              <a:spcBef>
+                <a:spcPts val="600"/>
+              </a:spcBef>
+              <a:buClr>
+                <a:schemeClr val="tx1"/>
+              </a:buClr>
+              <a:buSzPct val="100000"/>
+              <a:buFont typeface="Calibri" pitchFamily="34" charset="0"/>
+              <a:buChar char="─"/>
+            </a:pPr>
+            <a:r>
+              <a:rPr lang="vi-VN" sz="2200" dirty="0" smtClean="0">
+                <a:latin typeface="Calibri" pitchFamily="34" charset="0"/>
+                <a:cs typeface="Calibri" pitchFamily="34" charset="0"/>
+              </a:rPr>
+              <a:t>Imena autora/ica s godinom objavljivanja citiranog djela koja se koriste u tekstu obavezno se navode u samome tekstu. Svi spomenuti/e autori/ce moraju biti navedeni/e u popisu literature. Prema potrebi, ime se navodi na početku, u sredini ili na kraju rečenice. U druga dva slučaja, ime se navodi u zagradama zajedno s godinom objavljivanja.</a:t>
+            </a:r>
+          </a:p>
+          <a:p>
+            <a:pPr>
+              <a:spcBef>
+                <a:spcPts val="600"/>
+              </a:spcBef>
+              <a:buClr>
+                <a:schemeClr val="tx1"/>
+              </a:buClr>
+              <a:buSzPct val="100000"/>
+              <a:buFont typeface="Calibri" pitchFamily="34" charset="0"/>
+              <a:buChar char="─"/>
+            </a:pPr>
+            <a:r>
+              <a:rPr lang="vi-VN" sz="2000" b="1" dirty="0" smtClean="0">
+                <a:solidFill>
+                  <a:srgbClr val="FFC000"/>
+                </a:solidFill>
+                <a:latin typeface="Calibri" pitchFamily="34" charset="0"/>
+                <a:cs typeface="Calibri" pitchFamily="34" charset="0"/>
+              </a:rPr>
+              <a:t>Primjer:</a:t>
+            </a:r>
+          </a:p>
+          <a:p>
+            <a:pPr lvl="1">
+              <a:spcBef>
+                <a:spcPts val="600"/>
+              </a:spcBef>
+              <a:buClr>
+                <a:schemeClr val="tx1"/>
+              </a:buClr>
+              <a:buSzPct val="100000"/>
+              <a:buFont typeface="Calibri" pitchFamily="34" charset="0"/>
+              <a:buChar char="─"/>
+            </a:pPr>
+            <a:r>
+              <a:rPr lang="vi-VN" sz="1800" dirty="0" smtClean="0">
+                <a:latin typeface="Calibri" pitchFamily="34" charset="0"/>
+                <a:cs typeface="Calibri" pitchFamily="34" charset="0"/>
+              </a:rPr>
+              <a:t>Silobrčić (2003) objašnjava kako se izrađuje znanstveni članak.</a:t>
+            </a:r>
+            <a:r>
+              <a:rPr lang="hr-HR" sz="1800" dirty="0" smtClean="0">
+                <a:latin typeface="Calibri" pitchFamily="34" charset="0"/>
+                <a:cs typeface="Calibri" pitchFamily="34" charset="0"/>
+              </a:rPr>
+              <a:t> </a:t>
+            </a:r>
+            <a:r>
+              <a:rPr lang="vi-VN" sz="1800" dirty="0" smtClean="0">
+                <a:latin typeface="Calibri" pitchFamily="34" charset="0"/>
+                <a:cs typeface="Calibri" pitchFamily="34" charset="0"/>
+              </a:rPr>
+              <a:t>Na početku znanstvenog članka potrebno je napisati sažetak (Silobrčić, 2003).</a:t>
+            </a:r>
+          </a:p>
+          <a:p>
+            <a:pPr>
+              <a:spcBef>
+                <a:spcPts val="1800"/>
+              </a:spcBef>
+              <a:buClr>
+                <a:schemeClr val="tx1"/>
+              </a:buClr>
+              <a:buSzPct val="100000"/>
+              <a:buFont typeface="Calibri" pitchFamily="34" charset="0"/>
+              <a:buChar char="─"/>
+            </a:pPr>
+            <a:r>
+              <a:rPr lang="vi-VN" sz="2200" dirty="0" smtClean="0">
+                <a:latin typeface="Calibri" pitchFamily="34" charset="0"/>
+                <a:cs typeface="Calibri" pitchFamily="34" charset="0"/>
+              </a:rPr>
+              <a:t>Prilikom citiranja, originalni tekst se stavlja u navodnike, a uz godinu se navodi i stranica s koje je tekst preuzet.</a:t>
+            </a:r>
+          </a:p>
+          <a:p>
+            <a:pPr>
+              <a:spcBef>
+                <a:spcPts val="600"/>
+              </a:spcBef>
+              <a:buClr>
+                <a:schemeClr val="tx1"/>
+              </a:buClr>
+              <a:buSzPct val="100000"/>
+              <a:buFont typeface="Calibri" pitchFamily="34" charset="0"/>
+              <a:buChar char="─"/>
+            </a:pPr>
+            <a:r>
+              <a:rPr lang="vi-VN" sz="2000" b="1" dirty="0" smtClean="0">
+                <a:solidFill>
+                  <a:srgbClr val="FFC000"/>
+                </a:solidFill>
+                <a:latin typeface="Calibri" pitchFamily="34" charset="0"/>
+                <a:cs typeface="Calibri" pitchFamily="34" charset="0"/>
+              </a:rPr>
+              <a:t>Primjer:</a:t>
+            </a:r>
+          </a:p>
+          <a:p>
+            <a:pPr lvl="1">
+              <a:spcBef>
+                <a:spcPts val="600"/>
+              </a:spcBef>
+              <a:buClr>
+                <a:schemeClr val="tx1"/>
+              </a:buClr>
+              <a:buSzPct val="100000"/>
+              <a:buFont typeface="Calibri" pitchFamily="34" charset="0"/>
+              <a:buChar char="─"/>
+            </a:pPr>
+            <a:r>
+              <a:rPr lang="vi-VN" sz="1800" dirty="0" smtClean="0">
+                <a:latin typeface="Calibri" pitchFamily="34" charset="0"/>
+                <a:cs typeface="Calibri" pitchFamily="34" charset="0"/>
+              </a:rPr>
+              <a:t>„U zasebnom disciplinarnom bavljenju klasičnim sociološkim teorijama uglavnom se koriste dva pristupa: </a:t>
+            </a:r>
+            <a:r>
+              <a:rPr lang="vi-VN" sz="1800" i="1" dirty="0" smtClean="0">
+                <a:latin typeface="Calibri" pitchFamily="34" charset="0"/>
+                <a:cs typeface="Calibri" pitchFamily="34" charset="0"/>
+              </a:rPr>
+              <a:t>povijesno-kronološki i problematski</a:t>
+            </a:r>
+            <a:r>
+              <a:rPr lang="vi-VN" sz="1800" dirty="0" smtClean="0">
+                <a:latin typeface="Calibri" pitchFamily="34" charset="0"/>
+                <a:cs typeface="Calibri" pitchFamily="34" charset="0"/>
+              </a:rPr>
+              <a:t>“ (Kalanj, 2005: 22).</a:t>
+            </a:r>
+          </a:p>
+        </p:txBody>
+      </p:sp>
+      <p:sp>
+        <p:nvSpPr>
+          <p:cNvPr id="3" name="Title 2"/>
+          <p:cNvSpPr>
+            <a:spLocks noGrp="1"/>
+          </p:cNvSpPr>
+          <p:nvPr>
+            <p:ph type="title"/>
+          </p:nvPr>
+        </p:nvSpPr>
+        <p:spPr>
+          <a:xfrm>
+            <a:off x="467544" y="64634"/>
+            <a:ext cx="8643966" cy="700070"/>
+          </a:xfrm>
+        </p:spPr>
+        <p:txBody>
+          <a:bodyPr/>
+          <a:lstStyle/>
+          <a:p>
+            <a:pPr>
+              <a:spcBef>
+                <a:spcPts val="600"/>
+              </a:spcBef>
+            </a:pPr>
+            <a:r>
+              <a:rPr lang="vi-VN" dirty="0" smtClean="0"/>
+              <a:t>Kako navoditi literaturu u tekstu</a:t>
+            </a:r>
+          </a:p>
+        </p:txBody>
+      </p:sp>
+    </p:spTree>
+    <p:extLst>
+      <p:ext uri="{BB962C8B-B14F-4D97-AF65-F5344CB8AC3E}">
+        <p14:creationId xmlns:p14="http://schemas.microsoft.com/office/powerpoint/2010/main" val="297857356"/>
+      </p:ext>
+    </p:extLst>
+  </p:cSld>
+  <p:clrMapOvr>
+    <a:masterClrMapping/>
+  </p:clrMapOvr>
+  <mc:AlternateContent xmlns:mc="http://schemas.openxmlformats.org/markup-compatibility/2006" xmlns:p14="http://schemas.microsoft.com/office/powerpoint/2010/main">
+    <mc:Choice Requires="p14">
+      <p:transition>
+        <p14:reveal/>
+      </p:transition>
+    </mc:Choice>
+    <mc:Fallback xmlns="">
+      <p:transition>
+        <p:fade/>
+      </p:transition>
+    </mc:Fallback>
+  </mc:AlternateContent>
+  <p:timing>
+    <p:tnLst>
+      <p:par>
+        <p:cTn id="1" dur="indefinite" restart="never" nodeType="tmRoot"/>
+      </p:par>
+    </p:tnLst>
+  </p:timing>
+</p:sld>
+</file>
+
+<file path=ppt/slides/slide11.xml><?xml version="1.0" encoding="utf-8"?>
+<p:sld xmlns:a="http://schemas.openxmlformats.org/drawingml/2006/main" xmlns:r="http://schemas.openxmlformats.org/officeDocument/2006/relationships" xmlns:p="http://schemas.openxmlformats.org/presentationml/2006/main">
+  <p:cSld>
+    <p:spTree>
+      <p:nvGrpSpPr>
+        <p:cNvPr id="1" name=""/>
+        <p:cNvGrpSpPr/>
+        <p:nvPr/>
+      </p:nvGrpSpPr>
+      <p:grpSpPr>
+        <a:xfrm>
+          <a:off x="0" y="0"/>
+          <a:ext cx="0" cy="0"/>
+          <a:chOff x="0" y="0"/>
+          <a:chExt cx="0" cy="0"/>
+        </a:xfrm>
+      </p:grpSpPr>
       <p:pic>
         <p:nvPicPr>
           <p:cNvPr id="1027" name="Picture 7"/>
@@ -4372,7 +4629,7 @@
 </p:sld>
 </file>
 
-<file path=ppt/slides/slide11.xml><?xml version="1.0" encoding="utf-8"?>
+<file path=ppt/slides/slide12.xml><?xml version="1.0" encoding="utf-8"?>
 <p:sld xmlns:a="http://schemas.openxmlformats.org/drawingml/2006/main" xmlns:r="http://schemas.openxmlformats.org/officeDocument/2006/relationships" xmlns:p="http://schemas.openxmlformats.org/presentationml/2006/main">
   <p:cSld>
     <p:spTree>
@@ -4787,7 +5044,7 @@
 </file>
 
 <file path=ppt/slides/slide2.xml><?xml version="1.0" encoding="utf-8"?>
-<p:sld xmlns:a="http://schemas.openxmlformats.org/drawingml/2006/main" xmlns:r="http://schemas.openxmlformats.org/officeDocument/2006/relationships" xmlns:p="http://schemas.openxmlformats.org/presentationml/2006/main">
+<p:sld xmlns:a="http://schemas.openxmlformats.org/drawingml/2006/main" xmlns:r="http://schemas.openxmlformats.org/officeDocument/2006/relationships" xmlns:p="http://schemas.openxmlformats.org/presentationml/2006/main" show="0">
   <p:cSld>
     <p:spTree>
       <p:nvGrpSpPr>
@@ -5036,13 +5293,13 @@
   <p:clrMapOvr>
     <a:masterClrMapping/>
   </p:clrMapOvr>
-  <mc:AlternateContent xmlns:mc="http://schemas.openxmlformats.org/markup-compatibility/2006" xmlns:p14="http://schemas.microsoft.com/office/powerpoint/2010/main">
-    <mc:Choice Requires="p14">
+  <mc:AlternateContent xmlns:mc="http://schemas.openxmlformats.org/markup-compatibility/2006">
+    <mc:Choice xmlns:p14="http://schemas.microsoft.com/office/powerpoint/2010/main" Requires="p14">
       <p:transition>
         <p14:reveal/>
       </p:transition>
     </mc:Choice>
-    <mc:Fallback xmlns="">
+    <mc:Fallback>
       <p:transition>
         <p:fade/>
       </p:transition>
@@ -5059,6 +5316,82 @@
 </file>
 
 <file path=ppt/slides/slide3.xml><?xml version="1.0" encoding="utf-8"?>
+<p:sld xmlns:a="http://schemas.openxmlformats.org/drawingml/2006/main" xmlns:r="http://schemas.openxmlformats.org/officeDocument/2006/relationships" xmlns:p="http://schemas.openxmlformats.org/presentationml/2006/main">
+  <p:cSld>
+    <p:spTree>
+      <p:nvGrpSpPr>
+        <p:cNvPr id="1" name=""/>
+        <p:cNvGrpSpPr/>
+        <p:nvPr/>
+      </p:nvGrpSpPr>
+      <p:grpSpPr>
+        <a:xfrm>
+          <a:off x="0" y="0"/>
+          <a:ext cx="0" cy="0"/>
+          <a:chOff x="0" y="0"/>
+          <a:chExt cx="0" cy="0"/>
+        </a:xfrm>
+      </p:grpSpPr>
+      <p:pic>
+        <p:nvPicPr>
+          <p:cNvPr id="2" name="Picture 1"/>
+          <p:cNvPicPr>
+            <a:picLocks noChangeAspect="1"/>
+          </p:cNvPicPr>
+          <p:nvPr/>
+        </p:nvPicPr>
+        <p:blipFill>
+          <a:blip r:embed="rId2">
+            <a:extLst>
+              <a:ext uri="{BEBA8EAE-BF5A-486C-A8C5-ECC9F3942E4B}">
+                <a14:imgProps xmlns:a14="http://schemas.microsoft.com/office/drawing/2010/main">
+                  <a14:imgLayer r:embed="rId3">
+                    <a14:imgEffect>
+                      <a14:sharpenSoften amount="25000"/>
+                    </a14:imgEffect>
+                  </a14:imgLayer>
+                </a14:imgProps>
+              </a:ext>
+              <a:ext uri="{28A0092B-C50C-407E-A947-70E740481C1C}">
+                <a14:useLocalDpi xmlns:a14="http://schemas.microsoft.com/office/drawing/2010/main" val="0"/>
+              </a:ext>
+            </a:extLst>
+          </a:blip>
+          <a:stretch>
+            <a:fillRect/>
+          </a:stretch>
+        </p:blipFill>
+        <p:spPr>
+          <a:xfrm>
+            <a:off x="0" y="2057400"/>
+            <a:ext cx="9144000" cy="2743200"/>
+          </a:xfrm>
+          <a:prstGeom prst="rect">
+            <a:avLst/>
+          </a:prstGeom>
+        </p:spPr>
+      </p:pic>
+    </p:spTree>
+    <p:extLst>
+      <p:ext uri="{BB962C8B-B14F-4D97-AF65-F5344CB8AC3E}">
+        <p14:creationId xmlns:p14="http://schemas.microsoft.com/office/powerpoint/2010/main" val="3442613105"/>
+      </p:ext>
+    </p:extLst>
+  </p:cSld>
+  <p:clrMapOvr>
+    <a:masterClrMapping/>
+  </p:clrMapOvr>
+  <p:timing>
+    <p:tnLst>
+      <p:par>
+        <p:cTn id="1" dur="indefinite" restart="never" nodeType="tmRoot"/>
+      </p:par>
+    </p:tnLst>
+  </p:timing>
+</p:sld>
+</file>
+
+<file path=ppt/slides/slide4.xml><?xml version="1.0" encoding="utf-8"?>
 <p:sld xmlns:a="http://schemas.openxmlformats.org/drawingml/2006/main" xmlns:r="http://schemas.openxmlformats.org/officeDocument/2006/relationships" xmlns:p="http://schemas.openxmlformats.org/presentationml/2006/main">
   <p:cSld>
     <p:spTree>
@@ -5240,6 +5573,7 @@
                 <a:solidFill>
                   <a:srgbClr val="FFC000"/>
                 </a:solidFill>
+                <a:effectLst/>
                 <a:latin typeface="Arial" charset="0"/>
                 <a:cs typeface="Arial" charset="0"/>
               </a:rPr>
@@ -5250,6 +5584,7 @@
                 <a:solidFill>
                   <a:srgbClr val="FFC000"/>
                 </a:solidFill>
+                <a:effectLst/>
                 <a:latin typeface="Arial" charset="0"/>
                 <a:cs typeface="Arial" charset="0"/>
               </a:rPr>
@@ -5260,6 +5595,7 @@
                 <a:solidFill>
                   <a:srgbClr val="FFC000"/>
                 </a:solidFill>
+                <a:effectLst/>
                 <a:latin typeface="Arial" charset="0"/>
                 <a:cs typeface="Arial" charset="0"/>
               </a:rPr>
@@ -5269,6 +5605,7 @@
               <a:solidFill>
                 <a:srgbClr val="FFC000"/>
               </a:solidFill>
+              <a:effectLst/>
               <a:latin typeface="Arial" charset="0"/>
               <a:cs typeface="Arial" charset="0"/>
             </a:endParaRPr>
@@ -5626,9 +5963,7 @@
             <a:srgbClr val="336699"/>
           </a:solidFill>
           <a:ln w="9525">
-            <a:solidFill>
-              <a:schemeClr val="tx1"/>
-            </a:solidFill>
+            <a:noFill/>
             <a:miter lim="800000"/>
             <a:headEnd/>
             <a:tailEnd/>
@@ -5648,26 +5983,12 @@
             <a:pPr algn="ctr"/>
             <a:r>
               <a:rPr lang="hr-HR" sz="2800" b="1">
-                <a:effectLst>
-                  <a:outerShdw blurRad="38100" dist="38100" dir="2700000" algn="tl">
-                    <a:srgbClr val="000000">
-                      <a:alpha val="43137"/>
-                    </a:srgbClr>
-                  </a:outerShdw>
-                </a:effectLst>
                 <a:latin typeface="Calibri" panose="020F0502020204030204" pitchFamily="34" charset="0"/>
                 <a:cs typeface="Calibri" panose="020F0502020204030204" pitchFamily="34" charset="0"/>
               </a:rPr>
               <a:t>Odabir uzorka</a:t>
             </a:r>
             <a:endParaRPr lang="en-US" sz="2800" b="1">
-              <a:effectLst>
-                <a:outerShdw blurRad="38100" dist="38100" dir="2700000" algn="tl">
-                  <a:srgbClr val="000000">
-                    <a:alpha val="43137"/>
-                  </a:srgbClr>
-                </a:outerShdw>
-              </a:effectLst>
               <a:latin typeface="Calibri" panose="020F0502020204030204" pitchFamily="34" charset="0"/>
               <a:cs typeface="Calibri" panose="020F0502020204030204" pitchFamily="34" charset="0"/>
             </a:endParaRPr>
@@ -5694,9 +6015,7 @@
             <a:srgbClr val="336699"/>
           </a:solidFill>
           <a:ln w="9525">
-            <a:solidFill>
-              <a:schemeClr val="tx1"/>
-            </a:solidFill>
+            <a:noFill/>
             <a:miter lim="800000"/>
             <a:headEnd/>
             <a:tailEnd/>
@@ -5716,26 +6035,12 @@
             <a:pPr algn="ctr"/>
             <a:r>
               <a:rPr lang="hr-HR" sz="2800" b="1" dirty="0">
-                <a:effectLst>
-                  <a:outerShdw blurRad="38100" dist="38100" dir="2700000" algn="tl">
-                    <a:srgbClr val="000000">
-                      <a:alpha val="43137"/>
-                    </a:srgbClr>
-                  </a:outerShdw>
-                </a:effectLst>
                 <a:latin typeface="Calibri" panose="020F0502020204030204" pitchFamily="34" charset="0"/>
                 <a:cs typeface="Calibri" panose="020F0502020204030204" pitchFamily="34" charset="0"/>
               </a:rPr>
               <a:t>Postavljanje hipoteze</a:t>
             </a:r>
             <a:endParaRPr lang="en-US" sz="2800" b="1" dirty="0">
-              <a:effectLst>
-                <a:outerShdw blurRad="38100" dist="38100" dir="2700000" algn="tl">
-                  <a:srgbClr val="000000">
-                    <a:alpha val="43137"/>
-                  </a:srgbClr>
-                </a:outerShdw>
-              </a:effectLst>
               <a:latin typeface="Calibri" panose="020F0502020204030204" pitchFamily="34" charset="0"/>
               <a:cs typeface="Calibri" panose="020F0502020204030204" pitchFamily="34" charset="0"/>
             </a:endParaRPr>
@@ -5762,9 +6067,7 @@
             <a:srgbClr val="336699"/>
           </a:solidFill>
           <a:ln w="9525">
-            <a:solidFill>
-              <a:schemeClr val="tx1"/>
-            </a:solidFill>
+            <a:noFill/>
             <a:miter lim="800000"/>
             <a:headEnd/>
             <a:tailEnd/>
@@ -5784,26 +6087,12 @@
             <a:pPr algn="ctr"/>
             <a:r>
               <a:rPr lang="hr-HR" sz="2400" b="1" dirty="0">
-                <a:effectLst>
-                  <a:outerShdw blurRad="38100" dist="38100" dir="2700000" algn="tl">
-                    <a:srgbClr val="000000">
-                      <a:alpha val="43137"/>
-                    </a:srgbClr>
-                  </a:outerShdw>
-                </a:effectLst>
                 <a:latin typeface="Calibri" panose="020F0502020204030204" pitchFamily="34" charset="0"/>
                 <a:cs typeface="Calibri" panose="020F0502020204030204" pitchFamily="34" charset="0"/>
               </a:rPr>
               <a:t>Odabir metoda i tehnika</a:t>
             </a:r>
             <a:endParaRPr lang="en-US" sz="2400" b="1" dirty="0">
-              <a:effectLst>
-                <a:outerShdw blurRad="38100" dist="38100" dir="2700000" algn="tl">
-                  <a:srgbClr val="000000">
-                    <a:alpha val="43137"/>
-                  </a:srgbClr>
-                </a:outerShdw>
-              </a:effectLst>
               <a:latin typeface="Calibri" panose="020F0502020204030204" pitchFamily="34" charset="0"/>
               <a:cs typeface="Calibri" panose="020F0502020204030204" pitchFamily="34" charset="0"/>
             </a:endParaRPr>
@@ -5830,9 +6119,7 @@
             <a:srgbClr val="FFC000"/>
           </a:solidFill>
           <a:ln w="9525">
-            <a:solidFill>
-              <a:schemeClr val="tx1"/>
-            </a:solidFill>
+            <a:noFill/>
             <a:miter lim="800000"/>
             <a:headEnd/>
             <a:tailEnd/>
@@ -5890,9 +6177,7 @@
             <a:srgbClr val="336699"/>
           </a:solidFill>
           <a:ln w="9525">
-            <a:solidFill>
-              <a:schemeClr val="tx1"/>
-            </a:solidFill>
+            <a:noFill/>
             <a:miter lim="800000"/>
             <a:headEnd/>
             <a:tailEnd/>
@@ -5912,26 +6197,12 @@
             <a:pPr algn="ctr"/>
             <a:r>
               <a:rPr lang="hr-HR" sz="2800" b="1" dirty="0">
-                <a:effectLst>
-                  <a:outerShdw blurRad="38100" dist="38100" dir="2700000" algn="tl">
-                    <a:srgbClr val="000000">
-                      <a:alpha val="43137"/>
-                    </a:srgbClr>
-                  </a:outerShdw>
-                </a:effectLst>
                 <a:latin typeface="Calibri" panose="020F0502020204030204" pitchFamily="34" charset="0"/>
                 <a:cs typeface="Calibri" panose="020F0502020204030204" pitchFamily="34" charset="0"/>
               </a:rPr>
               <a:t>Definiranje problema</a:t>
             </a:r>
             <a:endParaRPr lang="en-US" sz="2800" b="1" dirty="0">
-              <a:effectLst>
-                <a:outerShdw blurRad="38100" dist="38100" dir="2700000" algn="tl">
-                  <a:srgbClr val="000000">
-                    <a:alpha val="43137"/>
-                  </a:srgbClr>
-                </a:outerShdw>
-              </a:effectLst>
               <a:latin typeface="Calibri" panose="020F0502020204030204" pitchFamily="34" charset="0"/>
               <a:cs typeface="Calibri" panose="020F0502020204030204" pitchFamily="34" charset="0"/>
             </a:endParaRPr>
@@ -5958,9 +6229,7 @@
             <a:srgbClr val="138338"/>
           </a:solidFill>
           <a:ln w="9525">
-            <a:solidFill>
-              <a:schemeClr val="tx1"/>
-            </a:solidFill>
+            <a:noFill/>
             <a:miter lim="800000"/>
             <a:headEnd/>
             <a:tailEnd/>
@@ -5980,26 +6249,12 @@
             <a:pPr algn="ctr"/>
             <a:r>
               <a:rPr lang="hr-HR" sz="2800" b="1">
-                <a:effectLst>
-                  <a:outerShdw blurRad="38100" dist="38100" dir="2700000" algn="tl">
-                    <a:srgbClr val="000000">
-                      <a:alpha val="43137"/>
-                    </a:srgbClr>
-                  </a:outerShdw>
-                </a:effectLst>
                 <a:latin typeface="Calibri" panose="020F0502020204030204" pitchFamily="34" charset="0"/>
                 <a:cs typeface="Calibri" panose="020F0502020204030204" pitchFamily="34" charset="0"/>
               </a:rPr>
               <a:t>Sinteza</a:t>
             </a:r>
             <a:endParaRPr lang="en-US" sz="2800" b="1">
-              <a:effectLst>
-                <a:outerShdw blurRad="38100" dist="38100" dir="2700000" algn="tl">
-                  <a:srgbClr val="000000">
-                    <a:alpha val="43137"/>
-                  </a:srgbClr>
-                </a:outerShdw>
-              </a:effectLst>
               <a:latin typeface="Calibri" panose="020F0502020204030204" pitchFamily="34" charset="0"/>
               <a:cs typeface="Calibri" panose="020F0502020204030204" pitchFamily="34" charset="0"/>
             </a:endParaRPr>
@@ -6026,9 +6281,7 @@
             <a:srgbClr val="336699"/>
           </a:solidFill>
           <a:ln w="9525">
-            <a:solidFill>
-              <a:schemeClr val="tx1"/>
-            </a:solidFill>
+            <a:noFill/>
             <a:miter lim="800000"/>
             <a:headEnd/>
             <a:tailEnd/>
@@ -6048,26 +6301,12 @@
             <a:pPr algn="ctr"/>
             <a:r>
               <a:rPr lang="hr-HR" sz="2800" b="1" dirty="0">
-                <a:effectLst>
-                  <a:outerShdw blurRad="38100" dist="38100" dir="2700000" algn="tl">
-                    <a:srgbClr val="000000">
-                      <a:alpha val="43137"/>
-                    </a:srgbClr>
-                  </a:outerShdw>
-                </a:effectLst>
                 <a:latin typeface="Calibri" panose="020F0502020204030204" pitchFamily="34" charset="0"/>
                 <a:cs typeface="Calibri" panose="020F0502020204030204" pitchFamily="34" charset="0"/>
               </a:rPr>
               <a:t>Pregled literature</a:t>
             </a:r>
             <a:endParaRPr lang="en-US" sz="2800" b="1" dirty="0">
-              <a:effectLst>
-                <a:outerShdw blurRad="38100" dist="38100" dir="2700000" algn="tl">
-                  <a:srgbClr val="000000">
-                    <a:alpha val="43137"/>
-                  </a:srgbClr>
-                </a:outerShdw>
-              </a:effectLst>
               <a:latin typeface="Calibri" panose="020F0502020204030204" pitchFamily="34" charset="0"/>
               <a:cs typeface="Calibri" panose="020F0502020204030204" pitchFamily="34" charset="0"/>
             </a:endParaRPr>
@@ -6382,9 +6621,7 @@
             <a:srgbClr val="FF0000"/>
           </a:solidFill>
           <a:ln w="9525">
-            <a:solidFill>
-              <a:schemeClr val="tx1"/>
-            </a:solidFill>
+            <a:noFill/>
             <a:miter lim="800000"/>
             <a:headEnd/>
             <a:tailEnd/>
@@ -6404,26 +6641,12 @@
             <a:pPr algn="ctr"/>
             <a:r>
               <a:rPr lang="hr-HR" sz="2800" b="1" dirty="0">
-                <a:effectLst>
-                  <a:outerShdw blurRad="38100" dist="38100" dir="2700000" algn="tl">
-                    <a:srgbClr val="000000">
-                      <a:alpha val="43137"/>
-                    </a:srgbClr>
-                  </a:outerShdw>
-                </a:effectLst>
                 <a:latin typeface="Calibri" panose="020F0502020204030204" pitchFamily="34" charset="0"/>
                 <a:cs typeface="Calibri" panose="020F0502020204030204" pitchFamily="34" charset="0"/>
               </a:rPr>
               <a:t>Analiza podataka</a:t>
             </a:r>
             <a:endParaRPr lang="en-US" sz="2800" b="1" dirty="0">
-              <a:effectLst>
-                <a:outerShdw blurRad="38100" dist="38100" dir="2700000" algn="tl">
-                  <a:srgbClr val="000000">
-                    <a:alpha val="43137"/>
-                  </a:srgbClr>
-                </a:outerShdw>
-              </a:effectLst>
               <a:latin typeface="Calibri" panose="020F0502020204030204" pitchFamily="34" charset="0"/>
               <a:cs typeface="Calibri" panose="020F0502020204030204" pitchFamily="34" charset="0"/>
             </a:endParaRPr>
@@ -8057,7 +8280,7 @@
 </p:sld>
 </file>
 
-<file path=ppt/slides/slide4.xml><?xml version="1.0" encoding="utf-8"?>
+<file path=ppt/slides/slide5.xml><?xml version="1.0" encoding="utf-8"?>
 <p:sld xmlns:a="http://schemas.openxmlformats.org/drawingml/2006/main" xmlns:r="http://schemas.openxmlformats.org/officeDocument/2006/relationships" xmlns:p="http://schemas.openxmlformats.org/presentationml/2006/main">
   <p:cSld>
     <p:spTree>
@@ -9444,7 +9667,7 @@
 </p:sld>
 </file>
 
-<file path=ppt/slides/slide5.xml><?xml version="1.0" encoding="utf-8"?>
+<file path=ppt/slides/slide6.xml><?xml version="1.0" encoding="utf-8"?>
 <p:sld xmlns:a="http://schemas.openxmlformats.org/drawingml/2006/main" xmlns:r="http://schemas.openxmlformats.org/officeDocument/2006/relationships" xmlns:p="http://schemas.openxmlformats.org/presentationml/2006/main">
   <p:cSld>
     <p:spTree>
@@ -9473,8 +9696,8 @@
         </p:nvSpPr>
         <p:spPr>
           <a:xfrm>
-            <a:off x="214282" y="752071"/>
-            <a:ext cx="8153400" cy="4810140"/>
+            <a:off x="34956" y="692576"/>
+            <a:ext cx="9001539" cy="6624855"/>
           </a:xfrm>
         </p:spPr>
         <p:txBody>
@@ -9482,16 +9705,20 @@
           <a:lstStyle/>
           <a:p>
             <a:pPr>
+              <a:spcBef>
+                <a:spcPts val="1800"/>
+              </a:spcBef>
               <a:buSzPct val="100000"/>
               <a:buFont typeface="Calibri" panose="020F0502020204030204" pitchFamily="34" charset="0"/>
               <a:buChar char="–"/>
             </a:pPr>
             <a:r>
-              <a:rPr lang="hr-HR" sz="2400" dirty="0" smtClean="0">
-                <a:latin typeface="Calibri" pitchFamily="34" charset="0"/>
-                <a:cs typeface="Calibri" pitchFamily="34" charset="0"/>
-              </a:rPr>
-              <a:t>Odnos roditelja i tinejdžera</a:t>
+              <a:rPr lang="hr-HR" sz="1900" dirty="0" smtClean="0"/>
+              <a:t>Mladi </a:t>
+            </a:r>
+            <a:r>
+              <a:rPr lang="hr-HR" sz="1900" dirty="0" smtClean="0"/>
+              <a:t>i glazba</a:t>
             </a:r>
           </a:p>
           <a:p>
@@ -9504,11 +9731,8 @@
               <a:buChar char="–"/>
             </a:pPr>
             <a:r>
-              <a:rPr lang="hr-HR" sz="2400" dirty="0" smtClean="0">
-                <a:latin typeface="Calibri" pitchFamily="34" charset="0"/>
-                <a:cs typeface="Calibri" pitchFamily="34" charset="0"/>
-              </a:rPr>
-              <a:t>Prihvaćenost tinejdžera u društvu</a:t>
+              <a:rPr lang="hr-HR" sz="1900" dirty="0" smtClean="0"/>
+              <a:t>Mladi i alkohol</a:t>
             </a:r>
           </a:p>
           <a:p>
@@ -9521,11 +9745,30 @@
               <a:buChar char="–"/>
             </a:pPr>
             <a:r>
-              <a:rPr lang="hr-HR" sz="2400" dirty="0" smtClean="0">
-                <a:latin typeface="Calibri" pitchFamily="34" charset="0"/>
-                <a:cs typeface="Calibri" pitchFamily="34" charset="0"/>
-              </a:rPr>
-              <a:t>Spolni život adolescenata</a:t>
+              <a:rPr lang="hr-HR" sz="1900" dirty="0" smtClean="0"/>
+              <a:t>Mladi i izvanškolske aktivnosti</a:t>
+            </a:r>
+          </a:p>
+          <a:p>
+            <a:pPr>
+              <a:spcBef>
+                <a:spcPts val="1200"/>
+              </a:spcBef>
+              <a:buSzPct val="100000"/>
+              <a:buFont typeface="Calibri" panose="020F0502020204030204" pitchFamily="34" charset="0"/>
+              <a:buChar char="–"/>
+            </a:pPr>
+            <a:r>
+              <a:rPr lang="hr-HR" sz="1900" dirty="0" smtClean="0"/>
+              <a:t>Utječu li </a:t>
+            </a:r>
+            <a:r>
+              <a:rPr lang="hr-HR" sz="1900" dirty="0" err="1" smtClean="0"/>
+              <a:t>dr</a:t>
+            </a:r>
+            <a:r>
+              <a:rPr lang="hr-HR" sz="1900" dirty="0" smtClean="0"/>
+              <a:t>. mreže na uspjeh u školi</a:t>
             </a:r>
           </a:p>
           <a:p>
@@ -9538,28 +9781,8 @@
               <a:buChar char="–"/>
             </a:pPr>
             <a:r>
-              <a:rPr lang="hr-HR" sz="2400" dirty="0" smtClean="0">
-                <a:latin typeface="Calibri" pitchFamily="34" charset="0"/>
-                <a:cs typeface="Calibri" pitchFamily="34" charset="0"/>
-              </a:rPr>
-              <a:t>Utjecaj prehrane na društveni život</a:t>
-            </a:r>
-          </a:p>
-          <a:p>
-            <a:pPr>
-              <a:spcBef>
-                <a:spcPts val="1800"/>
-              </a:spcBef>
-              <a:buSzPct val="100000"/>
-              <a:buFont typeface="Calibri" panose="020F0502020204030204" pitchFamily="34" charset="0"/>
-              <a:buChar char="–"/>
-            </a:pPr>
-            <a:r>
-              <a:rPr lang="hr-HR" sz="2400" dirty="0" smtClean="0">
-                <a:latin typeface="Calibri" pitchFamily="34" charset="0"/>
-                <a:cs typeface="Calibri" pitchFamily="34" charset="0"/>
-              </a:rPr>
-              <a:t>Mladi i glazba</a:t>
+              <a:rPr lang="hr-HR" sz="1900" dirty="0" smtClean="0"/>
+              <a:t>Utjecaj okoline na odijevanje pojedinca</a:t>
             </a:r>
           </a:p>
           <a:p>
@@ -9572,124 +9795,25 @@
               <a:buChar char="–"/>
             </a:pPr>
             <a:r>
-              <a:rPr lang="hr-HR" sz="2400" dirty="0" smtClean="0">
-                <a:latin typeface="Calibri" pitchFamily="34" charset="0"/>
-                <a:cs typeface="Calibri" pitchFamily="34" charset="0"/>
-              </a:rPr>
-              <a:t>Mladi i alkohol</a:t>
+              <a:rPr lang="pl-PL" sz="1900" dirty="0" smtClean="0"/>
+              <a:t>Utjecaj prehrane na aktivnosti mladih</a:t>
             </a:r>
           </a:p>
           <a:p>
             <a:pPr>
               <a:spcBef>
-                <a:spcPts val="0"/>
-              </a:spcBef>
-              <a:buSzPct val="100000"/>
-              <a:buFont typeface="Calibri" panose="020F0502020204030204" pitchFamily="34" charset="0"/>
-              <a:buChar char="–"/>
-            </a:pPr>
-            <a:r>
-              <a:rPr lang="hr-HR" sz="2400" dirty="0" smtClean="0">
-                <a:latin typeface="Calibri" pitchFamily="34" charset="0"/>
-                <a:cs typeface="Calibri" pitchFamily="34" charset="0"/>
-              </a:rPr>
-              <a:t>Mladi </a:t>
-            </a:r>
-            <a:r>
-              <a:rPr lang="hr-HR" sz="2400" dirty="0" smtClean="0">
-                <a:latin typeface="Calibri" pitchFamily="34" charset="0"/>
-                <a:cs typeface="Calibri" pitchFamily="34" charset="0"/>
-              </a:rPr>
-              <a:t>i izvanškolske aktivnosti</a:t>
-            </a:r>
-          </a:p>
-          <a:p>
-            <a:pPr>
-              <a:spcBef>
-                <a:spcPts val="1800"/>
-              </a:spcBef>
-              <a:buSzPct val="100000"/>
-              <a:buFont typeface="Calibri" panose="020F0502020204030204" pitchFamily="34" charset="0"/>
-              <a:buChar char="–"/>
-            </a:pPr>
-            <a:r>
-              <a:rPr lang="hr-HR" sz="2400" dirty="0" smtClean="0">
-                <a:latin typeface="Calibri" pitchFamily="34" charset="0"/>
-                <a:cs typeface="Calibri" pitchFamily="34" charset="0"/>
-              </a:rPr>
-              <a:t>Utječu li </a:t>
-            </a:r>
-            <a:r>
-              <a:rPr lang="hr-HR" sz="2400" dirty="0" err="1" smtClean="0">
-                <a:latin typeface="Calibri" pitchFamily="34" charset="0"/>
-                <a:cs typeface="Calibri" pitchFamily="34" charset="0"/>
-              </a:rPr>
-              <a:t>dr</a:t>
-            </a:r>
-            <a:r>
-              <a:rPr lang="hr-HR" sz="2400" dirty="0" smtClean="0">
-                <a:latin typeface="Calibri" pitchFamily="34" charset="0"/>
-                <a:cs typeface="Calibri" pitchFamily="34" charset="0"/>
-              </a:rPr>
-              <a:t>. mreže na uspjeh u školi</a:t>
-            </a:r>
-          </a:p>
-          <a:p>
-            <a:pPr>
-              <a:spcBef>
-                <a:spcPts val="0"/>
-              </a:spcBef>
-              <a:buSzPct val="100000"/>
-              <a:buFont typeface="Calibri" panose="020F0502020204030204" pitchFamily="34" charset="0"/>
-              <a:buChar char="–"/>
-            </a:pPr>
-            <a:r>
-              <a:rPr lang="hr-HR" sz="2400" dirty="0" smtClean="0">
-                <a:latin typeface="Calibri" pitchFamily="34" charset="0"/>
-                <a:cs typeface="Calibri" pitchFamily="34" charset="0"/>
-              </a:rPr>
-              <a:t>Utjecaj okoline na odijevanje pojedinca</a:t>
-            </a:r>
-          </a:p>
-          <a:p>
-            <a:pPr>
-              <a:spcBef>
-                <a:spcPts val="0"/>
-              </a:spcBef>
-              <a:buSzPct val="100000"/>
-              <a:buFont typeface="Calibri" panose="020F0502020204030204" pitchFamily="34" charset="0"/>
-              <a:buChar char="–"/>
-            </a:pPr>
-            <a:r>
-              <a:rPr lang="pl-PL" sz="2400" dirty="0" smtClean="0">
-                <a:latin typeface="Calibri" pitchFamily="34" charset="0"/>
-                <a:cs typeface="Calibri" pitchFamily="34" charset="0"/>
-              </a:rPr>
-              <a:t>Utjecaj </a:t>
-            </a:r>
-            <a:r>
-              <a:rPr lang="pl-PL" sz="2400" dirty="0" smtClean="0">
-                <a:latin typeface="Calibri" pitchFamily="34" charset="0"/>
-                <a:cs typeface="Calibri" pitchFamily="34" charset="0"/>
-              </a:rPr>
-              <a:t>prehrane na aktivnosti mladih</a:t>
-            </a:r>
-          </a:p>
-          <a:p>
-            <a:pPr>
-              <a:spcBef>
-                <a:spcPts val="1800"/>
+                <a:spcPts val="1200"/>
               </a:spcBef>
               <a:buSzPct val="100000"/>
               <a:buFont typeface="Arial" panose="020B0604020202020204" pitchFamily="34" charset="0"/>
               <a:buChar char="–"/>
             </a:pPr>
             <a:r>
-              <a:rPr lang="hr-HR" sz="2400" dirty="0" smtClean="0"/>
+              <a:rPr lang="hr-HR" sz="1900" dirty="0" smtClean="0"/>
               <a:t>Mladi </a:t>
             </a:r>
             <a:r>
-              <a:rPr lang="hr-HR" sz="2400" dirty="0"/>
+              <a:rPr lang="hr-HR" sz="1900" dirty="0"/>
               <a:t>i moderne ovisnosti</a:t>
             </a:r>
           </a:p>
@@ -9700,7 +9824,7 @@
               <a:buChar char="–"/>
             </a:pPr>
             <a:r>
-              <a:rPr lang="hr-HR" sz="2400" dirty="0"/>
+              <a:rPr lang="hr-HR" sz="1900" dirty="0"/>
               <a:t>Srednjoškolci i odabir studija</a:t>
             </a:r>
           </a:p>
@@ -9711,14 +9835,127 @@
               <a:buChar char="–"/>
             </a:pPr>
             <a:r>
-              <a:rPr lang="hr-HR" sz="2400" dirty="0"/>
+              <a:rPr lang="hr-HR" sz="1900" dirty="0"/>
               <a:t>Utjecaj roditelja na </a:t>
             </a:r>
             <a:r>
-              <a:rPr lang="hr-HR" sz="2400" dirty="0" smtClean="0"/>
+              <a:rPr lang="hr-HR" sz="1900" dirty="0" smtClean="0"/>
               <a:t>mlade</a:t>
             </a:r>
-            <a:endParaRPr lang="hr-HR" sz="2400" dirty="0"/>
+          </a:p>
+          <a:p>
+            <a:pPr>
+              <a:spcBef>
+                <a:spcPts val="1200"/>
+              </a:spcBef>
+              <a:buSzPct val="100000"/>
+              <a:buFont typeface="Arial" panose="020B0604020202020204" pitchFamily="34" charset="0"/>
+              <a:buChar char="–"/>
+            </a:pPr>
+            <a:r>
+              <a:rPr lang="hr-HR" sz="1900" dirty="0" smtClean="0"/>
+              <a:t>Glazbeni trendovi među mladima</a:t>
+            </a:r>
+          </a:p>
+          <a:p>
+            <a:pPr>
+              <a:spcBef>
+                <a:spcPts val="600"/>
+              </a:spcBef>
+              <a:buSzPct val="100000"/>
+              <a:buFont typeface="Arial" panose="020B0604020202020204" pitchFamily="34" charset="0"/>
+              <a:buChar char="–"/>
+            </a:pPr>
+            <a:r>
+              <a:rPr lang="hr-HR" sz="1900" dirty="0" smtClean="0"/>
+              <a:t>Mišljenje mladih o moralu</a:t>
+            </a:r>
+          </a:p>
+          <a:p>
+            <a:pPr>
+              <a:spcBef>
+                <a:spcPts val="600"/>
+              </a:spcBef>
+              <a:buSzPct val="100000"/>
+              <a:buFont typeface="Arial" panose="020B0604020202020204" pitchFamily="34" charset="0"/>
+              <a:buChar char="–"/>
+            </a:pPr>
+            <a:r>
+              <a:rPr lang="hr-HR" sz="1900" dirty="0" smtClean="0"/>
+              <a:t>Život mladih na otoku</a:t>
+            </a:r>
+          </a:p>
+          <a:p>
+            <a:pPr>
+              <a:spcBef>
+                <a:spcPts val="600"/>
+              </a:spcBef>
+              <a:buSzPct val="100000"/>
+              <a:buFont typeface="Arial" panose="020B0604020202020204" pitchFamily="34" charset="0"/>
+              <a:buChar char="–"/>
+            </a:pPr>
+            <a:r>
+              <a:rPr lang="hr-HR" sz="1900" dirty="0" smtClean="0"/>
+              <a:t>Stres kod mladih</a:t>
+            </a:r>
+          </a:p>
+          <a:p>
+            <a:pPr>
+              <a:spcBef>
+                <a:spcPts val="1200"/>
+              </a:spcBef>
+              <a:buSzPct val="100000"/>
+              <a:buFont typeface="Arial" panose="020B0604020202020204" pitchFamily="34" charset="0"/>
+              <a:buChar char="–"/>
+            </a:pPr>
+            <a:r>
+              <a:rPr lang="hr-HR" sz="1900" dirty="0" smtClean="0"/>
+              <a:t>Stavovi </a:t>
+            </a:r>
+            <a:r>
+              <a:rPr lang="hr-HR" sz="1900" dirty="0"/>
+              <a:t>mladih prema homoseksualnosti</a:t>
+            </a:r>
+            <a:endParaRPr lang="hr-HR" sz="1900" dirty="0"/>
+          </a:p>
+          <a:p>
+            <a:pPr>
+              <a:buSzPct val="100000"/>
+              <a:buFont typeface="Arial" panose="020B0604020202020204" pitchFamily="34" charset="0"/>
+              <a:buChar char="–"/>
+            </a:pPr>
+            <a:r>
+              <a:rPr lang="hr-HR" sz="1900" dirty="0"/>
+              <a:t>Mišljenje mladih o maloljetničkoj trudnoći</a:t>
+            </a:r>
+            <a:endParaRPr lang="hr-HR" sz="1900" dirty="0"/>
+          </a:p>
+          <a:p>
+            <a:pPr>
+              <a:buSzPct val="100000"/>
+              <a:buFont typeface="Arial" panose="020B0604020202020204" pitchFamily="34" charset="0"/>
+              <a:buChar char="–"/>
+            </a:pPr>
+            <a:r>
+              <a:rPr lang="hr-HR" sz="1900" dirty="0"/>
+              <a:t>Utjecaj pedagoških mjera na stavove i školski uspjeh mladih </a:t>
+            </a:r>
+            <a:r>
+              <a:rPr lang="hr-HR" sz="1900" dirty="0" smtClean="0"/>
+              <a:t>osoba</a:t>
+            </a:r>
+          </a:p>
+          <a:p>
+            <a:pPr>
+              <a:buSzPct val="100000"/>
+              <a:buFont typeface="Arial" panose="020B0604020202020204" pitchFamily="34" charset="0"/>
+              <a:buChar char="–"/>
+            </a:pPr>
+            <a:r>
+              <a:rPr lang="hr-HR" sz="1900" dirty="0"/>
+              <a:t>Počinje li nastava prerano</a:t>
+            </a:r>
+            <a:endParaRPr lang="hr-HR" sz="1900" dirty="0"/>
           </a:p>
         </p:txBody>
       </p:sp>
@@ -9757,14 +9994,14 @@
       </p:sp>
       <p:sp>
         <p:nvSpPr>
-          <p:cNvPr id="7" name="Right Brace 6"/>
+          <p:cNvPr id="9" name="Right Brace 8"/>
           <p:cNvSpPr/>
           <p:nvPr/>
         </p:nvSpPr>
         <p:spPr>
           <a:xfrm>
-            <a:off x="5217237" y="752071"/>
-            <a:ext cx="285752" cy="1571636"/>
+            <a:off x="3656530" y="764704"/>
+            <a:ext cx="285752" cy="874060"/>
           </a:xfrm>
           <a:prstGeom prst="rightBrace">
             <a:avLst>
@@ -9807,14 +10044,14 @@
       </p:sp>
       <p:sp>
         <p:nvSpPr>
-          <p:cNvPr id="8" name="TextBox 7"/>
+          <p:cNvPr id="10" name="TextBox 9"/>
           <p:cNvSpPr txBox="1"/>
           <p:nvPr/>
         </p:nvSpPr>
         <p:spPr>
           <a:xfrm>
-            <a:off x="5574427" y="1252137"/>
-            <a:ext cx="1445845" cy="461665"/>
+            <a:off x="4111657" y="970902"/>
+            <a:ext cx="1468672" cy="461665"/>
           </a:xfrm>
           <a:prstGeom prst="rect">
             <a:avLst/>
@@ -9835,7 +10072,7 @@
                 <a:latin typeface="Calibri" pitchFamily="34" charset="0"/>
                 <a:cs typeface="Calibri" pitchFamily="34" charset="0"/>
               </a:rPr>
-              <a:t>2011./12.</a:t>
+              <a:t>2012./13.</a:t>
             </a:r>
             <a:endParaRPr lang="hr-HR" sz="2400" b="1" dirty="0">
               <a:solidFill>
@@ -9849,14 +10086,14 @@
       </p:sp>
       <p:sp>
         <p:nvSpPr>
-          <p:cNvPr id="9" name="Right Brace 8"/>
+          <p:cNvPr id="12" name="Right Brace 11"/>
           <p:cNvSpPr/>
           <p:nvPr/>
         </p:nvSpPr>
         <p:spPr>
           <a:xfrm>
-            <a:off x="4572000" y="2391155"/>
-            <a:ext cx="285752" cy="1214446"/>
+            <a:off x="4419232" y="1700808"/>
+            <a:ext cx="331976" cy="1003093"/>
           </a:xfrm>
           <a:prstGeom prst="rightBrace">
             <a:avLst>
@@ -9899,14 +10136,14 @@
       </p:sp>
       <p:sp>
         <p:nvSpPr>
-          <p:cNvPr id="10" name="TextBox 9"/>
+          <p:cNvPr id="13" name="TextBox 12"/>
           <p:cNvSpPr txBox="1"/>
           <p:nvPr/>
         </p:nvSpPr>
         <p:spPr>
           <a:xfrm>
-            <a:off x="4929190" y="2748345"/>
-            <a:ext cx="1468672" cy="461665"/>
+            <a:off x="4845993" y="1955423"/>
+            <a:ext cx="1414170" cy="461665"/>
           </a:xfrm>
           <a:prstGeom prst="rect">
             <a:avLst/>
@@ -9927,7 +10164,7 @@
                 <a:latin typeface="Calibri" pitchFamily="34" charset="0"/>
                 <a:cs typeface="Calibri" pitchFamily="34" charset="0"/>
               </a:rPr>
-              <a:t>2012./13.</a:t>
+              <a:t>2013./14.</a:t>
             </a:r>
             <a:endParaRPr lang="hr-HR" sz="2400" b="1" dirty="0">
               <a:solidFill>
@@ -9941,14 +10178,14 @@
       </p:sp>
       <p:sp>
         <p:nvSpPr>
-          <p:cNvPr id="12" name="Right Brace 11"/>
+          <p:cNvPr id="11" name="Right Brace 10"/>
           <p:cNvSpPr/>
           <p:nvPr/>
         </p:nvSpPr>
         <p:spPr>
           <a:xfrm>
-            <a:off x="5752398" y="3776071"/>
-            <a:ext cx="285752" cy="1180794"/>
+            <a:off x="3434008" y="2808683"/>
+            <a:ext cx="285752" cy="980357"/>
           </a:xfrm>
           <a:prstGeom prst="rightBrace">
             <a:avLst>
@@ -9991,13 +10228,13 @@
       </p:sp>
       <p:sp>
         <p:nvSpPr>
-          <p:cNvPr id="13" name="TextBox 12"/>
+          <p:cNvPr id="14" name="TextBox 13"/>
           <p:cNvSpPr txBox="1"/>
           <p:nvPr/>
         </p:nvSpPr>
         <p:spPr>
           <a:xfrm>
-            <a:off x="6129046" y="4135635"/>
+            <a:off x="3857304" y="3068028"/>
             <a:ext cx="1414170" cy="461665"/>
           </a:xfrm>
           <a:prstGeom prst="rect">
@@ -10019,7 +10256,7 @@
                 <a:latin typeface="Calibri" pitchFamily="34" charset="0"/>
                 <a:cs typeface="Calibri" pitchFamily="34" charset="0"/>
               </a:rPr>
-              <a:t>2013./14.</a:t>
+              <a:t>2014./15.</a:t>
             </a:r>
             <a:endParaRPr lang="hr-HR" sz="2400" b="1" dirty="0">
               <a:solidFill>
@@ -10033,14 +10270,14 @@
       </p:sp>
       <p:sp>
         <p:nvSpPr>
-          <p:cNvPr id="11" name="Right Brace 10"/>
+          <p:cNvPr id="15" name="Right Brace 14"/>
           <p:cNvSpPr/>
           <p:nvPr/>
         </p:nvSpPr>
         <p:spPr>
           <a:xfrm>
-            <a:off x="4358256" y="5157192"/>
-            <a:ext cx="285752" cy="1260673"/>
+            <a:off x="7087901" y="5445225"/>
+            <a:ext cx="285752" cy="1297074"/>
           </a:xfrm>
           <a:prstGeom prst="rightBrace">
             <a:avLst>
@@ -10083,13 +10320,13 @@
       </p:sp>
       <p:sp>
         <p:nvSpPr>
-          <p:cNvPr id="14" name="TextBox 13"/>
+          <p:cNvPr id="16" name="TextBox 15"/>
           <p:cNvSpPr txBox="1"/>
           <p:nvPr/>
         </p:nvSpPr>
         <p:spPr>
           <a:xfrm>
-            <a:off x="4714876" y="5495752"/>
+            <a:off x="7511197" y="5862930"/>
             <a:ext cx="1414170" cy="461665"/>
           </a:xfrm>
           <a:prstGeom prst="rect">
@@ -10111,7 +10348,99 @@
                 <a:latin typeface="Calibri" pitchFamily="34" charset="0"/>
                 <a:cs typeface="Calibri" pitchFamily="34" charset="0"/>
               </a:rPr>
-              <a:t>2014./15.</a:t>
+              <a:t>2018./19.</a:t>
+            </a:r>
+            <a:endParaRPr lang="hr-HR" sz="2400" b="1" dirty="0">
+              <a:solidFill>
+                <a:srgbClr val="FFC000"/>
+              </a:solidFill>
+              <a:latin typeface="Calibri" pitchFamily="34" charset="0"/>
+              <a:cs typeface="Calibri" pitchFamily="34" charset="0"/>
+            </a:endParaRPr>
+          </a:p>
+        </p:txBody>
+      </p:sp>
+      <p:sp>
+        <p:nvSpPr>
+          <p:cNvPr id="17" name="Right Brace 16"/>
+          <p:cNvSpPr/>
+          <p:nvPr/>
+        </p:nvSpPr>
+        <p:spPr>
+          <a:xfrm>
+            <a:off x="3995936" y="3933056"/>
+            <a:ext cx="285752" cy="1368152"/>
+          </a:xfrm>
+          <a:prstGeom prst="rightBrace">
+            <a:avLst>
+              <a:gd name="adj1" fmla="val 91296"/>
+              <a:gd name="adj2" fmla="val 50423"/>
+            </a:avLst>
+          </a:prstGeom>
+          <a:ln w="38100">
+            <a:solidFill>
+              <a:srgbClr val="FF0000"/>
+            </a:solidFill>
+            <a:prstDash val="solid"/>
+          </a:ln>
+        </p:spPr>
+        <p:style>
+          <a:lnRef idx="1">
+            <a:schemeClr val="accent1"/>
+          </a:lnRef>
+          <a:fillRef idx="0">
+            <a:schemeClr val="accent1"/>
+          </a:fillRef>
+          <a:effectRef idx="0">
+            <a:schemeClr val="accent1"/>
+          </a:effectRef>
+          <a:fontRef idx="minor">
+            <a:schemeClr val="tx1"/>
+          </a:fontRef>
+        </p:style>
+        <p:txBody>
+          <a:bodyPr rtlCol="0" anchor="ctr"/>
+          <a:lstStyle/>
+          <a:p>
+            <a:pPr algn="ctr"/>
+            <a:endParaRPr lang="hr-HR">
+              <a:latin typeface="Calibri" pitchFamily="34" charset="0"/>
+              <a:cs typeface="Calibri" pitchFamily="34" charset="0"/>
+            </a:endParaRPr>
+          </a:p>
+        </p:txBody>
+      </p:sp>
+      <p:sp>
+        <p:nvSpPr>
+          <p:cNvPr id="18" name="TextBox 17"/>
+          <p:cNvSpPr txBox="1"/>
+          <p:nvPr/>
+        </p:nvSpPr>
+        <p:spPr>
+          <a:xfrm>
+            <a:off x="4419232" y="4386300"/>
+            <a:ext cx="1414170" cy="461665"/>
+          </a:xfrm>
+          <a:prstGeom prst="rect">
+            <a:avLst/>
+          </a:prstGeom>
+          <a:noFill/>
+        </p:spPr>
+        <p:txBody>
+          <a:bodyPr wrap="none" rtlCol="0">
+            <a:spAutoFit/>
+          </a:bodyPr>
+          <a:lstStyle/>
+          <a:p>
+            <a:r>
+              <a:rPr lang="hr-HR" sz="2400" b="1" dirty="0" smtClean="0">
+                <a:solidFill>
+                  <a:srgbClr val="FFC000"/>
+                </a:solidFill>
+                <a:latin typeface="Calibri" pitchFamily="34" charset="0"/>
+                <a:cs typeface="Calibri" pitchFamily="34" charset="0"/>
+              </a:rPr>
+              <a:t>2017./18.</a:t>
             </a:r>
             <a:endParaRPr lang="hr-HR" sz="2400" b="1" dirty="0">
               <a:solidFill>
@@ -10155,7 +10484,7 @@
 </p:sld>
 </file>
 
-<file path=ppt/slides/slide6.xml><?xml version="1.0" encoding="utf-8"?>
+<file path=ppt/slides/slide7.xml><?xml version="1.0" encoding="utf-8"?>
 <p:sld xmlns:a="http://schemas.openxmlformats.org/drawingml/2006/main" xmlns:r="http://schemas.openxmlformats.org/officeDocument/2006/relationships" xmlns:p="http://schemas.openxmlformats.org/presentationml/2006/main">
   <p:cSld>
     <p:spTree>
@@ -10787,7 +11116,17 @@
                 <a:latin typeface="Calibri" pitchFamily="34" charset="0"/>
                 <a:cs typeface="Calibri" pitchFamily="34" charset="0"/>
               </a:rPr>
-              <a:t>Pag, 2017.</a:t>
+              <a:t>Pag, </a:t>
+            </a:r>
+            <a:r>
+              <a:rPr lang="hr-HR" dirty="0" smtClean="0">
+                <a:solidFill>
+                  <a:schemeClr val="bg1"/>
+                </a:solidFill>
+                <a:latin typeface="Calibri" pitchFamily="34" charset="0"/>
+                <a:cs typeface="Calibri" pitchFamily="34" charset="0"/>
+              </a:rPr>
+              <a:t>2019.</a:t>
             </a:r>
             <a:endParaRPr lang="hr-HR" dirty="0">
               <a:solidFill>
@@ -10875,7 +11214,17 @@
                 <a:latin typeface="Times New Roman" panose="02020603050405020304" pitchFamily="18" charset="0"/>
                 <a:cs typeface="Times New Roman" panose="02020603050405020304" pitchFamily="18" charset="0"/>
               </a:rPr>
-              <a:t>Pag, 2017.</a:t>
+              <a:t>Pag, </a:t>
+            </a:r>
+            <a:r>
+              <a:rPr lang="hr-HR" sz="900" dirty="0" smtClean="0">
+                <a:solidFill>
+                  <a:schemeClr val="bg1"/>
+                </a:solidFill>
+                <a:latin typeface="Times New Roman" panose="02020603050405020304" pitchFamily="18" charset="0"/>
+                <a:cs typeface="Times New Roman" panose="02020603050405020304" pitchFamily="18" charset="0"/>
+              </a:rPr>
+              <a:t>2019.</a:t>
             </a:r>
             <a:endParaRPr lang="hr-HR" sz="900" dirty="0">
               <a:solidFill>
@@ -11130,530 +11479,6 @@
     <p:extLst>
       <p:ext uri="{BB962C8B-B14F-4D97-AF65-F5344CB8AC3E}">
         <p14:creationId xmlns:p14="http://schemas.microsoft.com/office/powerpoint/2010/main" val="2512392060"/>
-      </p:ext>
-    </p:extLst>
-  </p:cSld>
-  <p:clrMapOvr>
-    <a:masterClrMapping/>
-  </p:clrMapOvr>
-  <mc:AlternateContent xmlns:mc="http://schemas.openxmlformats.org/markup-compatibility/2006" xmlns:p14="http://schemas.microsoft.com/office/powerpoint/2010/main">
-    <mc:Choice Requires="p14">
-      <p:transition>
-        <p14:reveal/>
-      </p:transition>
-    </mc:Choice>
-    <mc:Fallback xmlns="">
-      <p:transition>
-        <p:fade/>
-      </p:transition>
-    </mc:Fallback>
-  </mc:AlternateContent>
-  <p:timing>
-    <p:tnLst>
-      <p:par>
-        <p:cTn id="1" dur="indefinite" restart="never" nodeType="tmRoot"/>
-      </p:par>
-    </p:tnLst>
-  </p:timing>
-</p:sld>
-</file>
-
-<file path=ppt/slides/slide7.xml><?xml version="1.0" encoding="utf-8"?>
-<p:sld xmlns:a="http://schemas.openxmlformats.org/drawingml/2006/main" xmlns:r="http://schemas.openxmlformats.org/officeDocument/2006/relationships" xmlns:p="http://schemas.openxmlformats.org/presentationml/2006/main">
-  <p:cSld>
-    <p:spTree>
-      <p:nvGrpSpPr>
-        <p:cNvPr id="1" name=""/>
-        <p:cNvGrpSpPr/>
-        <p:nvPr/>
-      </p:nvGrpSpPr>
-      <p:grpSpPr>
-        <a:xfrm>
-          <a:off x="0" y="0"/>
-          <a:ext cx="0" cy="0"/>
-          <a:chOff x="0" y="0"/>
-          <a:chExt cx="0" cy="0"/>
-        </a:xfrm>
-      </p:grpSpPr>
-      <p:sp>
-        <p:nvSpPr>
-          <p:cNvPr id="2" name="Content Placeholder 1"/>
-          <p:cNvSpPr>
-            <a:spLocks noGrp="1"/>
-          </p:cNvSpPr>
-          <p:nvPr>
-            <p:ph sz="quarter" idx="1"/>
-          </p:nvPr>
-        </p:nvSpPr>
-        <p:spPr>
-          <a:xfrm>
-            <a:off x="0" y="863502"/>
-            <a:ext cx="9072594" cy="6021882"/>
-          </a:xfrm>
-        </p:spPr>
-        <p:txBody>
-          <a:bodyPr/>
-          <a:lstStyle/>
-          <a:p>
-            <a:pPr marL="360000" lvl="1" indent="-288000">
-              <a:spcBef>
-                <a:spcPts val="1200"/>
-              </a:spcBef>
-              <a:buClr>
-                <a:schemeClr val="tx1"/>
-              </a:buClr>
-              <a:buSzPct val="100000"/>
-              <a:buFont typeface="Calibri" pitchFamily="34" charset="0"/>
-              <a:buChar char="─"/>
-            </a:pPr>
-            <a:r>
-              <a:rPr lang="hr-HR" sz="2400" b="1" dirty="0" smtClean="0">
-                <a:solidFill>
-                  <a:srgbClr val="FFC000"/>
-                </a:solidFill>
-                <a:latin typeface="Calibri" pitchFamily="34" charset="0"/>
-                <a:cs typeface="Calibri" pitchFamily="34" charset="0"/>
-              </a:rPr>
-              <a:t>pismo ('font'): </a:t>
-            </a:r>
-            <a:r>
-              <a:rPr lang="hr-HR" sz="2400" dirty="0" err="1" smtClean="0">
-                <a:latin typeface="Calibri" pitchFamily="34" charset="0"/>
-                <a:cs typeface="Calibri" pitchFamily="34" charset="0"/>
-              </a:rPr>
-              <a:t>Times</a:t>
-            </a:r>
-            <a:r>
-              <a:rPr lang="hr-HR" sz="2400" dirty="0" smtClean="0">
-                <a:latin typeface="Calibri" pitchFamily="34" charset="0"/>
-                <a:cs typeface="Calibri" pitchFamily="34" charset="0"/>
-              </a:rPr>
-              <a:t> New Roman, veličina 12</a:t>
-            </a:r>
-          </a:p>
-          <a:p>
-            <a:pPr marL="360000" lvl="1" indent="-288000">
-              <a:spcBef>
-                <a:spcPts val="1200"/>
-              </a:spcBef>
-              <a:buClr>
-                <a:schemeClr val="tx1"/>
-              </a:buClr>
-              <a:buSzPct val="100000"/>
-              <a:buFont typeface="Calibri" pitchFamily="34" charset="0"/>
-              <a:buChar char="─"/>
-            </a:pPr>
-            <a:r>
-              <a:rPr lang="hr-HR" sz="2400" b="1" dirty="0" smtClean="0">
-                <a:solidFill>
-                  <a:srgbClr val="FFC000"/>
-                </a:solidFill>
-                <a:latin typeface="Calibri" pitchFamily="34" charset="0"/>
-                <a:cs typeface="Calibri" pitchFamily="34" charset="0"/>
-              </a:rPr>
-              <a:t>margine: </a:t>
-            </a:r>
-            <a:r>
-              <a:rPr lang="hr-HR" sz="2400" dirty="0" smtClean="0">
-                <a:latin typeface="Calibri" pitchFamily="34" charset="0"/>
-                <a:cs typeface="Calibri" pitchFamily="34" charset="0"/>
-              </a:rPr>
-              <a:t>lijevo i desno 3,17, gore i dolje 2,54 (to su podrazumijevane vrijednosti u MS Word aplikaciji kod veličine papira A4)</a:t>
-            </a:r>
-          </a:p>
-          <a:p>
-            <a:pPr marL="360000" lvl="1" indent="-288000">
-              <a:spcBef>
-                <a:spcPts val="1200"/>
-              </a:spcBef>
-              <a:buClr>
-                <a:schemeClr val="tx1"/>
-              </a:buClr>
-              <a:buSzPct val="100000"/>
-              <a:buFont typeface="Calibri" pitchFamily="34" charset="0"/>
-              <a:buChar char="─"/>
-            </a:pPr>
-            <a:r>
-              <a:rPr lang="hr-HR" sz="2400" b="1" dirty="0" smtClean="0">
-                <a:solidFill>
-                  <a:srgbClr val="FFC000"/>
-                </a:solidFill>
-                <a:latin typeface="Calibri" pitchFamily="34" charset="0"/>
-                <a:cs typeface="Calibri" pitchFamily="34" charset="0"/>
-              </a:rPr>
-              <a:t>prored: </a:t>
-            </a:r>
-            <a:r>
-              <a:rPr lang="hr-HR" sz="2400" dirty="0" smtClean="0">
-                <a:latin typeface="Calibri" pitchFamily="34" charset="0"/>
-                <a:cs typeface="Calibri" pitchFamily="34" charset="0"/>
-              </a:rPr>
-              <a:t>1,5</a:t>
-            </a:r>
-          </a:p>
-          <a:p>
-            <a:pPr marL="360000" lvl="1" indent="-288000">
-              <a:spcBef>
-                <a:spcPts val="1200"/>
-              </a:spcBef>
-              <a:buClr>
-                <a:schemeClr val="tx1"/>
-              </a:buClr>
-              <a:buSzPct val="100000"/>
-              <a:buFont typeface="Calibri" pitchFamily="34" charset="0"/>
-              <a:buChar char="─"/>
-            </a:pPr>
-            <a:r>
-              <a:rPr lang="hr-HR" sz="2400" b="1" dirty="0" smtClean="0">
-                <a:solidFill>
-                  <a:srgbClr val="FFC000"/>
-                </a:solidFill>
-                <a:latin typeface="Calibri" pitchFamily="34" charset="0"/>
-                <a:cs typeface="Calibri" pitchFamily="34" charset="0"/>
-              </a:rPr>
-              <a:t>stranice numerirane </a:t>
-            </a:r>
-            <a:r>
-              <a:rPr lang="hr-HR" sz="2400" dirty="0" smtClean="0">
-                <a:latin typeface="Calibri" pitchFamily="34" charset="0"/>
-                <a:cs typeface="Calibri" pitchFamily="34" charset="0"/>
-              </a:rPr>
-              <a:t>rednim brojem </a:t>
-            </a:r>
-            <a:r>
-              <a:rPr lang="hr-HR" sz="2400" b="1" dirty="0" smtClean="0">
-                <a:solidFill>
-                  <a:srgbClr val="FFC000"/>
-                </a:solidFill>
-                <a:latin typeface="Calibri" pitchFamily="34" charset="0"/>
-                <a:cs typeface="Calibri" pitchFamily="34" charset="0"/>
-              </a:rPr>
-              <a:t>u donjem desnom kutu </a:t>
-            </a:r>
-          </a:p>
-          <a:p>
-            <a:pPr marL="360000" lvl="1" indent="-288000">
-              <a:spcBef>
-                <a:spcPts val="1200"/>
-              </a:spcBef>
-              <a:buClr>
-                <a:schemeClr val="tx1"/>
-              </a:buClr>
-              <a:buSzPct val="100000"/>
-              <a:buFont typeface="Calibri" pitchFamily="34" charset="0"/>
-              <a:buChar char="─"/>
-            </a:pPr>
-            <a:r>
-              <a:rPr lang="hr-HR" sz="2400" b="1" dirty="0" smtClean="0">
-                <a:solidFill>
-                  <a:srgbClr val="FFC000"/>
-                </a:solidFill>
-                <a:latin typeface="Calibri" pitchFamily="34" charset="0"/>
-                <a:cs typeface="Calibri" pitchFamily="34" charset="0"/>
-              </a:rPr>
-              <a:t>naslovnicu, stranice sa sadržajem i sažetkom nije potrebno numerirati</a:t>
-            </a:r>
-          </a:p>
-          <a:p>
-            <a:pPr marL="360000" lvl="1" indent="-288000">
-              <a:spcBef>
-                <a:spcPts val="1200"/>
-              </a:spcBef>
-              <a:buClr>
-                <a:schemeClr val="tx1"/>
-              </a:buClr>
-              <a:buSzPct val="100000"/>
-              <a:buFont typeface="Calibri" pitchFamily="34" charset="0"/>
-              <a:buChar char="─"/>
-            </a:pPr>
-            <a:r>
-              <a:rPr lang="hr-HR" sz="2400" dirty="0" smtClean="0">
-                <a:latin typeface="Calibri" pitchFamily="34" charset="0"/>
-                <a:cs typeface="Calibri" pitchFamily="34" charset="0"/>
-              </a:rPr>
-              <a:t>tekst pisati s </a:t>
-            </a:r>
-            <a:r>
-              <a:rPr lang="hr-HR" sz="2400" b="1" dirty="0" smtClean="0">
-                <a:solidFill>
-                  <a:srgbClr val="FFC000"/>
-                </a:solidFill>
-                <a:latin typeface="Calibri" pitchFamily="34" charset="0"/>
-                <a:cs typeface="Calibri" pitchFamily="34" charset="0"/>
-              </a:rPr>
-              <a:t>obostranim poravnanjem </a:t>
-            </a:r>
-            <a:r>
-              <a:rPr lang="hr-HR" sz="2400" dirty="0" smtClean="0">
-                <a:latin typeface="Calibri" pitchFamily="34" charset="0"/>
-                <a:cs typeface="Calibri" pitchFamily="34" charset="0"/>
-              </a:rPr>
-              <a:t>(„</a:t>
-            </a:r>
-            <a:r>
-              <a:rPr lang="hr-HR" sz="2400" dirty="0" err="1" smtClean="0">
-                <a:latin typeface="Calibri" pitchFamily="34" charset="0"/>
-                <a:cs typeface="Calibri" pitchFamily="34" charset="0"/>
-              </a:rPr>
-              <a:t>justify</a:t>
-            </a:r>
-            <a:r>
-              <a:rPr lang="hr-HR" sz="2400" dirty="0" smtClean="0">
-                <a:latin typeface="Calibri" pitchFamily="34" charset="0"/>
-                <a:cs typeface="Calibri" pitchFamily="34" charset="0"/>
-              </a:rPr>
-              <a:t>“ ili „poravnaj obostrano“ </a:t>
-            </a:r>
-            <a:r>
-              <a:rPr lang="hr-HR" sz="2400" dirty="0" smtClean="0">
-                <a:latin typeface="Calibri" pitchFamily="34" charset="0"/>
-                <a:cs typeface="Calibri" pitchFamily="34" charset="0"/>
-                <a:sym typeface="Wingdings"/>
-              </a:rPr>
-              <a:t></a:t>
-            </a:r>
-            <a:r>
-              <a:rPr lang="hr-HR" sz="2400" dirty="0" smtClean="0">
-                <a:latin typeface="Calibri" pitchFamily="34" charset="0"/>
-                <a:cs typeface="Calibri" pitchFamily="34" charset="0"/>
-              </a:rPr>
-              <a:t> </a:t>
-            </a:r>
-            <a:r>
-              <a:rPr lang="hr-HR" sz="2400" b="1" dirty="0" err="1" smtClean="0">
-                <a:solidFill>
-                  <a:srgbClr val="FFC000"/>
-                </a:solidFill>
-                <a:latin typeface="Calibri" pitchFamily="34" charset="0"/>
-                <a:cs typeface="Calibri" pitchFamily="34" charset="0"/>
-              </a:rPr>
-              <a:t>Ctrl</a:t>
-            </a:r>
-            <a:r>
-              <a:rPr lang="hr-HR" sz="2400" b="1" dirty="0" smtClean="0">
-                <a:solidFill>
-                  <a:srgbClr val="FFC000"/>
-                </a:solidFill>
-                <a:latin typeface="Calibri" pitchFamily="34" charset="0"/>
-                <a:cs typeface="Calibri" pitchFamily="34" charset="0"/>
-              </a:rPr>
-              <a:t> + J</a:t>
-            </a:r>
-            <a:r>
-              <a:rPr lang="hr-HR" sz="2400" dirty="0" smtClean="0">
-                <a:latin typeface="Calibri" pitchFamily="34" charset="0"/>
-                <a:cs typeface="Calibri" pitchFamily="34" charset="0"/>
-              </a:rPr>
-              <a:t>)</a:t>
-            </a:r>
-          </a:p>
-          <a:p>
-            <a:pPr marL="360000" lvl="1" indent="-288000">
-              <a:spcBef>
-                <a:spcPts val="1200"/>
-              </a:spcBef>
-              <a:buClr>
-                <a:schemeClr val="tx1"/>
-              </a:buClr>
-              <a:buSzPct val="100000"/>
-              <a:buFont typeface="Calibri" pitchFamily="34" charset="0"/>
-              <a:buChar char="─"/>
-            </a:pPr>
-            <a:r>
-              <a:rPr lang="hr-HR" sz="2400" dirty="0" smtClean="0">
-                <a:latin typeface="Calibri" pitchFamily="34" charset="0"/>
-                <a:cs typeface="Calibri" pitchFamily="34" charset="0"/>
-              </a:rPr>
-              <a:t>za sve dijelove teksta koji se žele istaknuti </a:t>
-            </a:r>
-            <a:r>
-              <a:rPr lang="hr-HR" sz="2400" b="1" dirty="0" smtClean="0">
-                <a:solidFill>
-                  <a:srgbClr val="FFC000"/>
-                </a:solidFill>
-                <a:latin typeface="Calibri" pitchFamily="34" charset="0"/>
-                <a:cs typeface="Calibri" pitchFamily="34" charset="0"/>
-              </a:rPr>
-              <a:t>koristiti kurziv </a:t>
-            </a:r>
-            <a:r>
-              <a:rPr lang="hr-HR" sz="2400" dirty="0" smtClean="0">
-                <a:latin typeface="Calibri" pitchFamily="34" charset="0"/>
-                <a:cs typeface="Calibri" pitchFamily="34" charset="0"/>
-              </a:rPr>
-              <a:t>(</a:t>
-            </a:r>
-            <a:r>
-              <a:rPr lang="hr-HR" sz="2400" i="1" dirty="0" smtClean="0">
-                <a:latin typeface="Calibri" pitchFamily="34" charset="0"/>
-                <a:cs typeface="Calibri" pitchFamily="34" charset="0"/>
-              </a:rPr>
-              <a:t>„</a:t>
-            </a:r>
-            <a:r>
-              <a:rPr lang="hr-HR" sz="2400" i="1" dirty="0" err="1" smtClean="0">
-                <a:latin typeface="Calibri" pitchFamily="34" charset="0"/>
-                <a:cs typeface="Calibri" pitchFamily="34" charset="0"/>
-              </a:rPr>
-              <a:t>italic</a:t>
-            </a:r>
-            <a:r>
-              <a:rPr lang="hr-HR" sz="2400" i="1" dirty="0" smtClean="0">
-                <a:latin typeface="Calibri" pitchFamily="34" charset="0"/>
-                <a:cs typeface="Calibri" pitchFamily="34" charset="0"/>
-              </a:rPr>
-              <a:t>“</a:t>
-            </a:r>
-            <a:r>
-              <a:rPr lang="hr-HR" sz="2400" dirty="0" smtClean="0">
-                <a:latin typeface="Calibri" pitchFamily="34" charset="0"/>
-                <a:cs typeface="Calibri" pitchFamily="34" charset="0"/>
-              </a:rPr>
-              <a:t>) a </a:t>
-            </a:r>
-            <a:r>
-              <a:rPr lang="hr-HR" sz="2400" b="1" dirty="0" smtClean="0">
-                <a:solidFill>
-                  <a:srgbClr val="FFC000"/>
-                </a:solidFill>
-                <a:latin typeface="Calibri" pitchFamily="34" charset="0"/>
-                <a:cs typeface="Calibri" pitchFamily="34" charset="0"/>
-              </a:rPr>
-              <a:t>ne</a:t>
-            </a:r>
-            <a:r>
-              <a:rPr lang="hr-HR" sz="2400" b="1" dirty="0" smtClean="0">
-                <a:latin typeface="Calibri" pitchFamily="34" charset="0"/>
-                <a:cs typeface="Calibri" pitchFamily="34" charset="0"/>
-              </a:rPr>
-              <a:t> </a:t>
-            </a:r>
-            <a:r>
-              <a:rPr lang="hr-HR" sz="2400" b="1" dirty="0" err="1" smtClean="0">
-                <a:solidFill>
-                  <a:srgbClr val="FFC000"/>
-                </a:solidFill>
-                <a:latin typeface="Calibri" pitchFamily="34" charset="0"/>
-                <a:cs typeface="Calibri" pitchFamily="34" charset="0"/>
-              </a:rPr>
-              <a:t>bold</a:t>
-            </a:r>
-            <a:r>
-              <a:rPr lang="hr-HR" sz="2400" b="1" dirty="0" smtClean="0">
-                <a:solidFill>
-                  <a:srgbClr val="FFC000"/>
-                </a:solidFill>
-                <a:latin typeface="Calibri" pitchFamily="34" charset="0"/>
-                <a:cs typeface="Calibri" pitchFamily="34" charset="0"/>
-              </a:rPr>
-              <a:t> </a:t>
-            </a:r>
-            <a:r>
-              <a:rPr lang="hr-HR" sz="2400" dirty="0" smtClean="0">
-                <a:latin typeface="Calibri" pitchFamily="34" charset="0"/>
-                <a:cs typeface="Calibri" pitchFamily="34" charset="0"/>
-              </a:rPr>
-              <a:t>ili </a:t>
-            </a:r>
-            <a:r>
-              <a:rPr lang="hr-HR" sz="2400" u="sng" dirty="0" smtClean="0">
-                <a:solidFill>
-                  <a:srgbClr val="FFC000"/>
-                </a:solidFill>
-                <a:latin typeface="Calibri" pitchFamily="34" charset="0"/>
-                <a:cs typeface="Calibri" pitchFamily="34" charset="0"/>
-              </a:rPr>
-              <a:t>podcrtano</a:t>
-            </a:r>
-            <a:endParaRPr lang="hr-HR" sz="2400" dirty="0" smtClean="0">
-              <a:solidFill>
-                <a:srgbClr val="FFC000"/>
-              </a:solidFill>
-              <a:latin typeface="Calibri" pitchFamily="34" charset="0"/>
-              <a:cs typeface="Calibri" pitchFamily="34" charset="0"/>
-            </a:endParaRPr>
-          </a:p>
-          <a:p>
-            <a:pPr marL="360000" lvl="1" indent="-288000">
-              <a:spcBef>
-                <a:spcPts val="1200"/>
-              </a:spcBef>
-              <a:buClr>
-                <a:schemeClr val="tx1"/>
-              </a:buClr>
-              <a:buSzPct val="100000"/>
-              <a:buFont typeface="Calibri" pitchFamily="34" charset="0"/>
-              <a:buChar char="─"/>
-            </a:pPr>
-            <a:r>
-              <a:rPr lang="hr-HR" sz="2400" dirty="0" smtClean="0">
-                <a:latin typeface="Calibri" pitchFamily="34" charset="0"/>
-                <a:cs typeface="Calibri" pitchFamily="34" charset="0"/>
-              </a:rPr>
-              <a:t>za dodatna objašnjenja koristiti </a:t>
-            </a:r>
-            <a:r>
-              <a:rPr lang="hr-HR" sz="2400" dirty="0" err="1" smtClean="0">
-                <a:latin typeface="Calibri" pitchFamily="34" charset="0"/>
-                <a:cs typeface="Calibri" pitchFamily="34" charset="0"/>
-              </a:rPr>
-              <a:t>podbilješke</a:t>
-            </a:r>
-            <a:r>
-              <a:rPr lang="hr-HR" sz="2400" dirty="0" smtClean="0">
-                <a:latin typeface="Calibri" pitchFamily="34" charset="0"/>
-                <a:cs typeface="Calibri" pitchFamily="34" charset="0"/>
-              </a:rPr>
-              <a:t> („</a:t>
-            </a:r>
-            <a:r>
-              <a:rPr lang="hr-HR" sz="2400" dirty="0" err="1" smtClean="0">
-                <a:latin typeface="Calibri" pitchFamily="34" charset="0"/>
-                <a:cs typeface="Calibri" pitchFamily="34" charset="0"/>
-              </a:rPr>
-              <a:t>footnotes</a:t>
-            </a:r>
-            <a:r>
-              <a:rPr lang="hr-HR" sz="2400" dirty="0" smtClean="0">
-                <a:latin typeface="Calibri" pitchFamily="34" charset="0"/>
-                <a:cs typeface="Calibri" pitchFamily="34" charset="0"/>
-              </a:rPr>
-              <a:t>“)</a:t>
-            </a:r>
-            <a:endParaRPr lang="hr-HR" sz="2400" dirty="0">
-              <a:latin typeface="Calibri" pitchFamily="34" charset="0"/>
-              <a:cs typeface="Calibri" pitchFamily="34" charset="0"/>
-            </a:endParaRPr>
-          </a:p>
-        </p:txBody>
-      </p:sp>
-      <p:sp>
-        <p:nvSpPr>
-          <p:cNvPr id="3" name="Title 2"/>
-          <p:cNvSpPr>
-            <a:spLocks noGrp="1"/>
-          </p:cNvSpPr>
-          <p:nvPr>
-            <p:ph type="title"/>
-          </p:nvPr>
-        </p:nvSpPr>
-        <p:spPr/>
-        <p:txBody>
-          <a:bodyPr/>
-          <a:lstStyle/>
-          <a:p>
-            <a:r>
-              <a:rPr lang="hr-HR" dirty="0" smtClean="0"/>
-              <a:t>Tekst treba formatirati na sljedeći način:</a:t>
-            </a:r>
-            <a:endParaRPr lang="hr-HR" dirty="0"/>
-          </a:p>
-        </p:txBody>
-      </p:sp>
-    </p:spTree>
-    <p:extLst>
-      <p:ext uri="{BB962C8B-B14F-4D97-AF65-F5344CB8AC3E}">
-        <p14:creationId xmlns:p14="http://schemas.microsoft.com/office/powerpoint/2010/main" val="2089480622"/>
       </p:ext>
     </p:extLst>
   </p:cSld>
@@ -11711,17 +11536,17 @@
         </p:nvSpPr>
         <p:spPr>
           <a:xfrm>
-            <a:off x="-36034" y="764704"/>
-            <a:ext cx="9072530" cy="5904656"/>
+            <a:off x="0" y="863502"/>
+            <a:ext cx="9072594" cy="6021882"/>
           </a:xfrm>
         </p:spPr>
         <p:txBody>
           <a:bodyPr/>
           <a:lstStyle/>
           <a:p>
-            <a:pPr>
+            <a:pPr marL="360000" lvl="1" indent="-288000">
               <a:spcBef>
-                <a:spcPts val="600"/>
+                <a:spcPts val="1200"/>
               </a:spcBef>
               <a:buClr>
                 <a:schemeClr val="tx1"/>
@@ -11731,17 +11556,34 @@
               <a:buChar char="─"/>
             </a:pPr>
             <a:r>
-              <a:rPr lang="hr-HR" sz="2000" dirty="0" smtClean="0">
-                <a:latin typeface="Calibri" pitchFamily="34" charset="0"/>
-                <a:cs typeface="Calibri" pitchFamily="34" charset="0"/>
-              </a:rPr>
-              <a:t>jedan autor znanstvenog članka: </a:t>
-            </a:r>
-          </a:p>
-          <a:p>
-            <a:pPr lvl="1">
+              <a:rPr lang="hr-HR" sz="2400" b="1" dirty="0" smtClean="0">
+                <a:solidFill>
+                  <a:srgbClr val="FFC000"/>
+                </a:solidFill>
+                <a:latin typeface="Calibri" pitchFamily="34" charset="0"/>
+                <a:cs typeface="Calibri" pitchFamily="34" charset="0"/>
+              </a:rPr>
+              <a:t>pismo ('font'): </a:t>
+            </a:r>
+            <a:r>
+              <a:rPr lang="hr-HR" sz="2400" dirty="0" err="1" smtClean="0">
+                <a:latin typeface="Calibri" pitchFamily="34" charset="0"/>
+                <a:cs typeface="Calibri" pitchFamily="34" charset="0"/>
+              </a:rPr>
+              <a:t>Times</a:t>
+            </a:r>
+            <a:r>
+              <a:rPr lang="hr-HR" sz="2400" dirty="0" smtClean="0">
+                <a:latin typeface="Calibri" pitchFamily="34" charset="0"/>
+                <a:cs typeface="Calibri" pitchFamily="34" charset="0"/>
+              </a:rPr>
+              <a:t> New Roman, veličina 12</a:t>
+            </a:r>
+          </a:p>
+          <a:p>
+            <a:pPr marL="360000" lvl="1" indent="-288000">
               <a:spcBef>
-                <a:spcPts val="600"/>
+                <a:spcPts val="1200"/>
               </a:spcBef>
               <a:buClr>
                 <a:schemeClr val="tx1"/>
@@ -11751,24 +11593,27 @@
               <a:buChar char="─"/>
             </a:pPr>
             <a:r>
-              <a:rPr lang="hr-HR" sz="1800" dirty="0" err="1" smtClean="0">
-                <a:latin typeface="Calibri" pitchFamily="34" charset="0"/>
-                <a:cs typeface="Calibri" pitchFamily="34" charset="0"/>
-              </a:rPr>
-              <a:t>Stražičić</a:t>
-            </a:r>
-            <a:r>
-              <a:rPr lang="hr-HR" sz="1800" dirty="0" smtClean="0">
-                <a:latin typeface="Calibri" pitchFamily="34" charset="0"/>
-                <a:cs typeface="Calibri" pitchFamily="34" charset="0"/>
-              </a:rPr>
-              <a:t>, N. (1987.):  Prirodno-geografske značajke kao poticajni i ograničavajući faktor razvoja jadranskih otoka, Pomorski zbornik 25: 39-55. </a:t>
-            </a:r>
-          </a:p>
-          <a:p>
-            <a:pPr>
+              <a:rPr lang="hr-HR" sz="2400" b="1" dirty="0" smtClean="0">
+                <a:solidFill>
+                  <a:srgbClr val="FFC000"/>
+                </a:solidFill>
+                <a:latin typeface="Calibri" pitchFamily="34" charset="0"/>
+                <a:cs typeface="Calibri" pitchFamily="34" charset="0"/>
+              </a:rPr>
+              <a:t>margine: </a:t>
+            </a:r>
+            <a:r>
+              <a:rPr lang="hr-HR" sz="2400" dirty="0" smtClean="0">
+                <a:latin typeface="Calibri" pitchFamily="34" charset="0"/>
+                <a:cs typeface="Calibri" pitchFamily="34" charset="0"/>
+              </a:rPr>
+              <a:t>lijevo i desno 3,17, gore i dolje 2,54 (to su podrazumijevane vrijednosti u MS Word aplikaciji kod veličine papira A4)</a:t>
+            </a:r>
+          </a:p>
+          <a:p>
+            <a:pPr marL="360000" lvl="1" indent="-288000">
               <a:spcBef>
-                <a:spcPts val="1800"/>
+                <a:spcPts val="1200"/>
               </a:spcBef>
               <a:buClr>
                 <a:schemeClr val="tx1"/>
@@ -11778,17 +11623,27 @@
               <a:buChar char="─"/>
             </a:pPr>
             <a:r>
-              <a:rPr lang="hr-HR" sz="2000" dirty="0" smtClean="0">
-                <a:latin typeface="Calibri" pitchFamily="34" charset="0"/>
-                <a:cs typeface="Calibri" pitchFamily="34" charset="0"/>
-              </a:rPr>
-              <a:t>dva autora knjige (ili članka): </a:t>
-            </a:r>
-          </a:p>
-          <a:p>
-            <a:pPr lvl="1">
+              <a:rPr lang="hr-HR" sz="2400" b="1" dirty="0" smtClean="0">
+                <a:solidFill>
+                  <a:srgbClr val="FFC000"/>
+                </a:solidFill>
+                <a:latin typeface="Calibri" pitchFamily="34" charset="0"/>
+                <a:cs typeface="Calibri" pitchFamily="34" charset="0"/>
+              </a:rPr>
+              <a:t>prored: </a:t>
+            </a:r>
+            <a:r>
+              <a:rPr lang="hr-HR" sz="2400" dirty="0" smtClean="0">
+                <a:latin typeface="Calibri" pitchFamily="34" charset="0"/>
+                <a:cs typeface="Calibri" pitchFamily="34" charset="0"/>
+              </a:rPr>
+              <a:t>1,5</a:t>
+            </a:r>
+          </a:p>
+          <a:p>
+            <a:pPr marL="360000" lvl="1" indent="-288000">
               <a:spcBef>
-                <a:spcPts val="600"/>
+                <a:spcPts val="1200"/>
               </a:spcBef>
               <a:buClr>
                 <a:schemeClr val="tx1"/>
@@ -11798,31 +11653,37 @@
               <a:buChar char="─"/>
             </a:pPr>
             <a:r>
-              <a:rPr lang="hr-HR" sz="1800" dirty="0" smtClean="0">
-                <a:latin typeface="Calibri" pitchFamily="34" charset="0"/>
-                <a:cs typeface="Calibri" pitchFamily="34" charset="0"/>
-              </a:rPr>
-              <a:t>Crkvenčić, I., </a:t>
-            </a:r>
-            <a:r>
-              <a:rPr lang="hr-HR" sz="1800" dirty="0" err="1" smtClean="0">
-                <a:latin typeface="Calibri" pitchFamily="34" charset="0"/>
-                <a:cs typeface="Calibri" pitchFamily="34" charset="0"/>
-              </a:rPr>
-              <a:t>Malić</a:t>
-            </a:r>
-            <a:r>
-              <a:rPr lang="hr-HR" sz="1800" dirty="0" smtClean="0">
-                <a:latin typeface="Calibri" pitchFamily="34" charset="0"/>
-                <a:cs typeface="Calibri" pitchFamily="34" charset="0"/>
-              </a:rPr>
-              <a:t>, A. (1988.): Agrarna geografija, Školska knjiga, Zagreb. </a:t>
-            </a:r>
-          </a:p>
-          <a:p>
-            <a:pPr>
+              <a:rPr lang="hr-HR" sz="2400" b="1" dirty="0" smtClean="0">
+                <a:solidFill>
+                  <a:srgbClr val="FFC000"/>
+                </a:solidFill>
+                <a:latin typeface="Calibri" pitchFamily="34" charset="0"/>
+                <a:cs typeface="Calibri" pitchFamily="34" charset="0"/>
+              </a:rPr>
+              <a:t>stranice numerirane </a:t>
+            </a:r>
+            <a:r>
+              <a:rPr lang="hr-HR" sz="2400" dirty="0" smtClean="0">
+                <a:latin typeface="Calibri" pitchFamily="34" charset="0"/>
+                <a:cs typeface="Calibri" pitchFamily="34" charset="0"/>
+              </a:rPr>
+              <a:t>rednim brojem </a:t>
+            </a:r>
+            <a:r>
+              <a:rPr lang="hr-HR" sz="2400" b="1" dirty="0" smtClean="0">
+                <a:solidFill>
+                  <a:srgbClr val="FFC000"/>
+                </a:solidFill>
+                <a:latin typeface="Calibri" pitchFamily="34" charset="0"/>
+                <a:cs typeface="Calibri" pitchFamily="34" charset="0"/>
+              </a:rPr>
+              <a:t>u donjem desnom kutu </a:t>
+            </a:r>
+          </a:p>
+          <a:p>
+            <a:pPr marL="360000" lvl="1" indent="-288000">
               <a:spcBef>
-                <a:spcPts val="1800"/>
+                <a:spcPts val="1200"/>
               </a:spcBef>
               <a:buClr>
                 <a:schemeClr val="tx1"/>
@@ -11832,17 +11693,20 @@
               <a:buChar char="─"/>
             </a:pPr>
             <a:r>
-              <a:rPr lang="hr-HR" sz="2000" dirty="0" smtClean="0">
-                <a:latin typeface="Calibri" pitchFamily="34" charset="0"/>
-                <a:cs typeface="Calibri" pitchFamily="34" charset="0"/>
-              </a:rPr>
-              <a:t>U popisu literature iza kratice URL navodi se cijela web adresa s datumom  preuzimanja podataka  </a:t>
-            </a:r>
-          </a:p>
-          <a:p>
-            <a:pPr lvl="1">
+              <a:rPr lang="hr-HR" sz="2400" b="1" dirty="0" smtClean="0">
+                <a:solidFill>
+                  <a:srgbClr val="FFC000"/>
+                </a:solidFill>
+                <a:latin typeface="Calibri" pitchFamily="34" charset="0"/>
+                <a:cs typeface="Calibri" pitchFamily="34" charset="0"/>
+              </a:rPr>
+              <a:t>naslovnicu, stranice sa sadržajem i sažetkom nije potrebno numerirati</a:t>
+            </a:r>
+          </a:p>
+          <a:p>
+            <a:pPr marL="360000" lvl="1" indent="-288000">
               <a:spcBef>
-                <a:spcPts val="600"/>
+                <a:spcPts val="1200"/>
               </a:spcBef>
               <a:buClr>
                 <a:schemeClr val="tx1"/>
@@ -11852,73 +11716,90 @@
               <a:buChar char="─"/>
             </a:pPr>
             <a:r>
-              <a:rPr lang="hr-HR" sz="1800" dirty="0" smtClean="0">
-                <a:latin typeface="Calibri" pitchFamily="34" charset="0"/>
-                <a:cs typeface="Calibri" pitchFamily="34" charset="0"/>
-              </a:rPr>
-              <a:t>URL1: http://imagine.gsfc.nasa.gov/</a:t>
-            </a:r>
-            <a:r>
-              <a:rPr lang="hr-HR" sz="1800" dirty="0" err="1" smtClean="0">
-                <a:latin typeface="Calibri" pitchFamily="34" charset="0"/>
-                <a:cs typeface="Calibri" pitchFamily="34" charset="0"/>
-              </a:rPr>
-              <a:t>docs</a:t>
-            </a:r>
-            <a:r>
-              <a:rPr lang="hr-HR" sz="1800" dirty="0" smtClean="0">
-                <a:latin typeface="Calibri" pitchFamily="34" charset="0"/>
-                <a:cs typeface="Calibri" pitchFamily="34" charset="0"/>
-              </a:rPr>
-              <a:t>/</a:t>
-            </a:r>
-            <a:r>
-              <a:rPr lang="hr-HR" sz="1800" dirty="0" err="1" smtClean="0">
-                <a:latin typeface="Calibri" pitchFamily="34" charset="0"/>
-                <a:cs typeface="Calibri" pitchFamily="34" charset="0"/>
-              </a:rPr>
-              <a:t>ask</a:t>
-            </a:r>
-            <a:r>
-              <a:rPr lang="hr-HR" sz="1800" dirty="0" smtClean="0">
-                <a:latin typeface="Calibri" pitchFamily="34" charset="0"/>
-                <a:cs typeface="Calibri" pitchFamily="34" charset="0"/>
-              </a:rPr>
-              <a:t>_</a:t>
-            </a:r>
-            <a:r>
-              <a:rPr lang="hr-HR" sz="1800" dirty="0" err="1" smtClean="0">
-                <a:latin typeface="Calibri" pitchFamily="34" charset="0"/>
-                <a:cs typeface="Calibri" pitchFamily="34" charset="0"/>
-              </a:rPr>
-              <a:t>astro</a:t>
-            </a:r>
-            <a:r>
-              <a:rPr lang="hr-HR" sz="1800" dirty="0" smtClean="0">
-                <a:latin typeface="Calibri" pitchFamily="34" charset="0"/>
-                <a:cs typeface="Calibri" pitchFamily="34" charset="0"/>
-              </a:rPr>
-              <a:t>/</a:t>
-            </a:r>
-            <a:r>
-              <a:rPr lang="hr-HR" sz="1800" dirty="0" err="1" smtClean="0">
-                <a:latin typeface="Calibri" pitchFamily="34" charset="0"/>
-                <a:cs typeface="Calibri" pitchFamily="34" charset="0"/>
-              </a:rPr>
-              <a:t>answers</a:t>
-            </a:r>
-            <a:r>
-              <a:rPr lang="hr-HR" sz="1800" dirty="0" smtClean="0">
-                <a:latin typeface="Calibri" pitchFamily="34" charset="0"/>
-                <a:cs typeface="Calibri" pitchFamily="34" charset="0"/>
-              </a:rPr>
-              <a:t>/970401c.html, 10. 03. 2009. </a:t>
-            </a:r>
-          </a:p>
-          <a:p>
-            <a:pPr>
+              <a:rPr lang="hr-HR" sz="2400" dirty="0" smtClean="0">
+                <a:latin typeface="Calibri" pitchFamily="34" charset="0"/>
+                <a:cs typeface="Calibri" pitchFamily="34" charset="0"/>
+              </a:rPr>
+              <a:t>tekst pisati s </a:t>
+            </a:r>
+            <a:r>
+              <a:rPr lang="hr-HR" sz="2400" b="1" dirty="0" smtClean="0">
+                <a:solidFill>
+                  <a:srgbClr val="FFC000"/>
+                </a:solidFill>
+                <a:latin typeface="Calibri" pitchFamily="34" charset="0"/>
+                <a:cs typeface="Calibri" pitchFamily="34" charset="0"/>
+              </a:rPr>
+              <a:t>obostranim poravnanjem </a:t>
+            </a:r>
+            <a:r>
+              <a:rPr lang="hr-HR" sz="2400" dirty="0" smtClean="0">
+                <a:latin typeface="Calibri" pitchFamily="34" charset="0"/>
+                <a:cs typeface="Calibri" pitchFamily="34" charset="0"/>
+              </a:rPr>
+              <a:t>(„</a:t>
+            </a:r>
+            <a:r>
+              <a:rPr lang="hr-HR" sz="2400" dirty="0" err="1" smtClean="0">
+                <a:latin typeface="Calibri" pitchFamily="34" charset="0"/>
+                <a:cs typeface="Calibri" pitchFamily="34" charset="0"/>
+              </a:rPr>
+              <a:t>justify</a:t>
+            </a:r>
+            <a:r>
+              <a:rPr lang="hr-HR" sz="2400" dirty="0" smtClean="0">
+                <a:latin typeface="Calibri" pitchFamily="34" charset="0"/>
+                <a:cs typeface="Calibri" pitchFamily="34" charset="0"/>
+              </a:rPr>
+              <a:t>“ ili „poravnaj obostrano“ </a:t>
+            </a:r>
+            <a:r>
+              <a:rPr lang="hr-HR" sz="2400" dirty="0" smtClean="0">
+                <a:latin typeface="Calibri" pitchFamily="34" charset="0"/>
+                <a:cs typeface="Calibri" pitchFamily="34" charset="0"/>
+                <a:sym typeface="Wingdings"/>
+              </a:rPr>
+              <a:t></a:t>
+            </a:r>
+            <a:r>
+              <a:rPr lang="hr-HR" sz="2400" dirty="0" smtClean="0">
+                <a:latin typeface="Calibri" pitchFamily="34" charset="0"/>
+                <a:cs typeface="Calibri" pitchFamily="34" charset="0"/>
+              </a:rPr>
+              <a:t> </a:t>
+            </a:r>
+            <a:r>
+              <a:rPr lang="hr-HR" sz="2400" b="1" dirty="0" err="1" smtClean="0">
+                <a:solidFill>
+                  <a:srgbClr val="FFC000"/>
+                </a:solidFill>
+                <a:latin typeface="Calibri" pitchFamily="34" charset="0"/>
+                <a:cs typeface="Calibri" pitchFamily="34" charset="0"/>
+              </a:rPr>
+              <a:t>Ctrl</a:t>
+            </a:r>
+            <a:r>
+              <a:rPr lang="hr-HR" sz="2400" b="1" dirty="0" smtClean="0">
+                <a:solidFill>
+                  <a:srgbClr val="FFC000"/>
+                </a:solidFill>
+                <a:latin typeface="Calibri" pitchFamily="34" charset="0"/>
+                <a:cs typeface="Calibri" pitchFamily="34" charset="0"/>
+              </a:rPr>
+              <a:t> + J</a:t>
+            </a:r>
+            <a:r>
+              <a:rPr lang="hr-HR" sz="2400" dirty="0" smtClean="0">
+                <a:latin typeface="Calibri" pitchFamily="34" charset="0"/>
+                <a:cs typeface="Calibri" pitchFamily="34" charset="0"/>
+              </a:rPr>
+              <a:t>)</a:t>
+            </a:r>
+          </a:p>
+          <a:p>
+            <a:pPr marL="360000" lvl="1" indent="-288000">
               <a:spcBef>
-                <a:spcPts val="1800"/>
+                <a:spcPts val="1200"/>
               </a:spcBef>
               <a:buClr>
                 <a:schemeClr val="tx1"/>
@@ -11928,17 +11809,123 @@
               <a:buChar char="─"/>
             </a:pPr>
             <a:r>
-              <a:rPr lang="hr-HR" sz="2000" dirty="0" smtClean="0">
-                <a:latin typeface="Calibri" pitchFamily="34" charset="0"/>
-                <a:cs typeface="Calibri" pitchFamily="34" charset="0"/>
-              </a:rPr>
-              <a:t>Kada je poznat autor i naslov teksta objavljenog na nekoj web stranici onda se takav tekst referira kao i bilo koji tiskani izvori podataka, a u zagrade se piše web lokacija s datumom preuzimanja teksta </a:t>
-            </a:r>
-          </a:p>
-          <a:p>
-            <a:pPr lvl="1">
+              <a:rPr lang="hr-HR" sz="2400" dirty="0" smtClean="0">
+                <a:latin typeface="Calibri" pitchFamily="34" charset="0"/>
+                <a:cs typeface="Calibri" pitchFamily="34" charset="0"/>
+              </a:rPr>
+              <a:t>za sve dijelove teksta koji se žele istaknuti </a:t>
+            </a:r>
+            <a:r>
+              <a:rPr lang="hr-HR" sz="2400" b="1" dirty="0" smtClean="0">
+                <a:solidFill>
+                  <a:srgbClr val="FFC000"/>
+                </a:solidFill>
+                <a:latin typeface="Calibri" pitchFamily="34" charset="0"/>
+                <a:cs typeface="Calibri" pitchFamily="34" charset="0"/>
+              </a:rPr>
+              <a:t>koristiti kurziv </a:t>
+            </a:r>
+            <a:r>
+              <a:rPr lang="hr-HR" sz="2400" dirty="0" smtClean="0">
+                <a:latin typeface="Calibri" pitchFamily="34" charset="0"/>
+                <a:cs typeface="Calibri" pitchFamily="34" charset="0"/>
+              </a:rPr>
+              <a:t>(</a:t>
+            </a:r>
+            <a:r>
+              <a:rPr lang="hr-HR" sz="2400" i="1" dirty="0" smtClean="0">
+                <a:latin typeface="Calibri" pitchFamily="34" charset="0"/>
+                <a:cs typeface="Calibri" pitchFamily="34" charset="0"/>
+              </a:rPr>
+              <a:t>„</a:t>
+            </a:r>
+            <a:r>
+              <a:rPr lang="hr-HR" sz="2400" i="1" dirty="0" err="1" smtClean="0">
+                <a:latin typeface="Calibri" pitchFamily="34" charset="0"/>
+                <a:cs typeface="Calibri" pitchFamily="34" charset="0"/>
+              </a:rPr>
+              <a:t>italic</a:t>
+            </a:r>
+            <a:r>
+              <a:rPr lang="hr-HR" sz="2400" i="1" dirty="0" smtClean="0">
+                <a:latin typeface="Calibri" pitchFamily="34" charset="0"/>
+                <a:cs typeface="Calibri" pitchFamily="34" charset="0"/>
+              </a:rPr>
+              <a:t>“</a:t>
+            </a:r>
+            <a:r>
+              <a:rPr lang="hr-HR" sz="2400" dirty="0" smtClean="0">
+                <a:latin typeface="Calibri" pitchFamily="34" charset="0"/>
+                <a:cs typeface="Calibri" pitchFamily="34" charset="0"/>
+              </a:rPr>
+              <a:t>) a </a:t>
+            </a:r>
+            <a:r>
+              <a:rPr lang="hr-HR" sz="2400" b="1" dirty="0" smtClean="0">
+                <a:solidFill>
+                  <a:srgbClr val="FFC000"/>
+                </a:solidFill>
+                <a:latin typeface="Calibri" pitchFamily="34" charset="0"/>
+                <a:cs typeface="Calibri" pitchFamily="34" charset="0"/>
+              </a:rPr>
+              <a:t>ne</a:t>
+            </a:r>
+            <a:r>
+              <a:rPr lang="hr-HR" sz="2400" b="1" dirty="0" smtClean="0">
+                <a:latin typeface="Calibri" pitchFamily="34" charset="0"/>
+                <a:cs typeface="Calibri" pitchFamily="34" charset="0"/>
+              </a:rPr>
+              <a:t> </a:t>
+            </a:r>
+            <a:r>
+              <a:rPr lang="hr-HR" sz="2400" b="1" dirty="0" err="1" smtClean="0">
+                <a:solidFill>
+                  <a:srgbClr val="FFC000"/>
+                </a:solidFill>
+                <a:latin typeface="Calibri" pitchFamily="34" charset="0"/>
+                <a:cs typeface="Calibri" pitchFamily="34" charset="0"/>
+              </a:rPr>
+              <a:t>bold</a:t>
+            </a:r>
+            <a:r>
+              <a:rPr lang="hr-HR" sz="2400" b="1" dirty="0" smtClean="0">
+                <a:solidFill>
+                  <a:srgbClr val="FFC000"/>
+                </a:solidFill>
+                <a:latin typeface="Calibri" pitchFamily="34" charset="0"/>
+                <a:cs typeface="Calibri" pitchFamily="34" charset="0"/>
+              </a:rPr>
+              <a:t> </a:t>
+            </a:r>
+            <a:r>
+              <a:rPr lang="hr-HR" sz="2400" dirty="0" smtClean="0">
+                <a:latin typeface="Calibri" pitchFamily="34" charset="0"/>
+                <a:cs typeface="Calibri" pitchFamily="34" charset="0"/>
+              </a:rPr>
+              <a:t>ili </a:t>
+            </a:r>
+            <a:r>
+              <a:rPr lang="hr-HR" sz="2400" u="sng" dirty="0" smtClean="0">
+                <a:solidFill>
+                  <a:srgbClr val="FFC000"/>
+                </a:solidFill>
+                <a:latin typeface="Calibri" pitchFamily="34" charset="0"/>
+                <a:cs typeface="Calibri" pitchFamily="34" charset="0"/>
+              </a:rPr>
+              <a:t>podcrtano</a:t>
+            </a:r>
+            <a:endParaRPr lang="hr-HR" sz="2400" dirty="0" smtClean="0">
+              <a:solidFill>
+                <a:srgbClr val="FFC000"/>
+              </a:solidFill>
+              <a:latin typeface="Calibri" pitchFamily="34" charset="0"/>
+              <a:cs typeface="Calibri" pitchFamily="34" charset="0"/>
+            </a:endParaRPr>
+          </a:p>
+          <a:p>
+            <a:pPr marL="360000" lvl="1" indent="-288000">
               <a:spcBef>
-                <a:spcPts val="600"/>
+                <a:spcPts val="1200"/>
               </a:spcBef>
               <a:buClr>
                 <a:schemeClr val="tx1"/>
@@ -11948,68 +11935,44 @@
               <a:buChar char="─"/>
             </a:pPr>
             <a:r>
-              <a:rPr lang="hr-HR" sz="1800" dirty="0" smtClean="0">
-                <a:latin typeface="Calibri" pitchFamily="34" charset="0"/>
-                <a:cs typeface="Calibri" pitchFamily="34" charset="0"/>
-              </a:rPr>
-              <a:t>Cvitanović, M. (2008.):  Etnički identiteti: crtica iz kolonijalnog života u Africi,  www.geografija.hr (http://geografija.sabirnica.net/</a:t>
-            </a:r>
-            <a:r>
-              <a:rPr lang="hr-HR" sz="1800" dirty="0" err="1" smtClean="0">
-                <a:latin typeface="Calibri" pitchFamily="34" charset="0"/>
-                <a:cs typeface="Calibri" pitchFamily="34" charset="0"/>
-              </a:rPr>
-              <a:t>clanci</a:t>
-            </a:r>
-            <a:r>
-              <a:rPr lang="hr-HR" sz="1800" dirty="0" smtClean="0">
-                <a:latin typeface="Calibri" pitchFamily="34" charset="0"/>
-                <a:cs typeface="Calibri" pitchFamily="34" charset="0"/>
-              </a:rPr>
-              <a:t>/1433/</a:t>
-            </a:r>
-            <a:r>
-              <a:rPr lang="hr-HR" sz="1800" dirty="0" err="1" smtClean="0">
-                <a:latin typeface="Calibri" pitchFamily="34" charset="0"/>
-                <a:cs typeface="Calibri" pitchFamily="34" charset="0"/>
-              </a:rPr>
-              <a:t>etnicki</a:t>
-            </a:r>
-            <a:r>
-              <a:rPr lang="hr-HR" sz="1800" dirty="0" smtClean="0">
-                <a:latin typeface="Calibri" pitchFamily="34" charset="0"/>
-                <a:cs typeface="Calibri" pitchFamily="34" charset="0"/>
-              </a:rPr>
-              <a:t>-identiteti-crtica-</a:t>
-            </a:r>
-            <a:r>
-              <a:rPr lang="hr-HR" sz="1800" dirty="0" err="1" smtClean="0">
-                <a:latin typeface="Calibri" pitchFamily="34" charset="0"/>
-                <a:cs typeface="Calibri" pitchFamily="34" charset="0"/>
-              </a:rPr>
-              <a:t>izkolonijalnog</a:t>
-            </a:r>
-            <a:r>
-              <a:rPr lang="hr-HR" sz="1800" dirty="0" smtClean="0">
-                <a:latin typeface="Calibri" pitchFamily="34" charset="0"/>
-                <a:cs typeface="Calibri" pitchFamily="34" charset="0"/>
-              </a:rPr>
-              <a:t>-</a:t>
-            </a:r>
-            <a:r>
-              <a:rPr lang="hr-HR" sz="1800" dirty="0" err="1" smtClean="0">
-                <a:latin typeface="Calibri" pitchFamily="34" charset="0"/>
-                <a:cs typeface="Calibri" pitchFamily="34" charset="0"/>
-              </a:rPr>
-              <a:t>zivota</a:t>
-            </a:r>
-            <a:r>
-              <a:rPr lang="hr-HR" sz="1800" dirty="0" smtClean="0">
-                <a:latin typeface="Calibri" pitchFamily="34" charset="0"/>
-                <a:cs typeface="Calibri" pitchFamily="34" charset="0"/>
-              </a:rPr>
-              <a:t>-u-africi, 10. 03. 2009.)</a:t>
-            </a:r>
+              <a:rPr lang="hr-HR" sz="2400" dirty="0" smtClean="0">
+                <a:latin typeface="Calibri" pitchFamily="34" charset="0"/>
+                <a:cs typeface="Calibri" pitchFamily="34" charset="0"/>
+              </a:rPr>
+              <a:t>za dodatna objašnjenja koristiti </a:t>
+            </a:r>
+            <a:r>
+              <a:rPr lang="hr-HR" sz="2400" dirty="0" err="1" smtClean="0">
+                <a:latin typeface="Calibri" pitchFamily="34" charset="0"/>
+                <a:cs typeface="Calibri" pitchFamily="34" charset="0"/>
+              </a:rPr>
+              <a:t>podbilješke</a:t>
+            </a:r>
+            <a:r>
+              <a:rPr lang="hr-HR" sz="2400" dirty="0" smtClean="0">
+                <a:latin typeface="Calibri" pitchFamily="34" charset="0"/>
+                <a:cs typeface="Calibri" pitchFamily="34" charset="0"/>
+              </a:rPr>
+              <a:t> („</a:t>
+            </a:r>
+            <a:r>
+              <a:rPr lang="hr-HR" sz="2400" dirty="0" err="1" smtClean="0">
+                <a:latin typeface="Calibri" pitchFamily="34" charset="0"/>
+                <a:cs typeface="Calibri" pitchFamily="34" charset="0"/>
+              </a:rPr>
+              <a:t>footnotes</a:t>
+            </a:r>
+            <a:r>
+              <a:rPr lang="hr-HR" sz="2400" dirty="0" smtClean="0">
+                <a:latin typeface="Calibri" pitchFamily="34" charset="0"/>
+                <a:cs typeface="Calibri" pitchFamily="34" charset="0"/>
+              </a:rPr>
+              <a:t>“)</a:t>
+            </a:r>
+            <a:endParaRPr lang="hr-HR" sz="2400" dirty="0">
+              <a:latin typeface="Calibri" pitchFamily="34" charset="0"/>
+              <a:cs typeface="Calibri" pitchFamily="34" charset="0"/>
+            </a:endParaRPr>
           </a:p>
         </p:txBody>
       </p:sp>
@@ -12023,28 +11986,23 @@
             <p:ph type="title"/>
           </p:nvPr>
         </p:nvSpPr>
-        <p:spPr>
-          <a:xfrm>
-            <a:off x="395536" y="64634"/>
-            <a:ext cx="8643966" cy="700070"/>
-          </a:xfrm>
-        </p:spPr>
+        <p:spPr/>
         <p:txBody>
           <a:bodyPr/>
           <a:lstStyle/>
           <a:p>
             <a:r>
-              <a:rPr lang="hr-HR" sz="3200" dirty="0" smtClean="0"/>
-              <a:t>Primjeri navođenja literature (na kraju rada)</a:t>
-            </a:r>
-            <a:endParaRPr lang="hr-HR" sz="3200" dirty="0"/>
+              <a:rPr lang="hr-HR" dirty="0" smtClean="0"/>
+              <a:t>Tekst treba formatirati na sljedeći način:</a:t>
+            </a:r>
+            <a:endParaRPr lang="hr-HR" dirty="0"/>
           </a:p>
         </p:txBody>
       </p:sp>
     </p:spTree>
     <p:extLst>
       <p:ext uri="{BB962C8B-B14F-4D97-AF65-F5344CB8AC3E}">
-        <p14:creationId xmlns:p14="http://schemas.microsoft.com/office/powerpoint/2010/main" val="2188843877"/>
+        <p14:creationId xmlns:p14="http://schemas.microsoft.com/office/powerpoint/2010/main" val="2089480622"/>
       </p:ext>
     </p:extLst>
   </p:cSld>
@@ -12102,8 +12060,8 @@
         </p:nvSpPr>
         <p:spPr>
           <a:xfrm>
-            <a:off x="-108520" y="764704"/>
-            <a:ext cx="9181114" cy="6021882"/>
+            <a:off x="-36034" y="764704"/>
+            <a:ext cx="9072530" cy="5904656"/>
           </a:xfrm>
         </p:spPr>
         <p:txBody>
@@ -12122,34 +12080,11 @@
               <a:buChar char="─"/>
             </a:pPr>
             <a:r>
-              <a:rPr lang="vi-VN" sz="2200" dirty="0" smtClean="0">
-                <a:latin typeface="Calibri" pitchFamily="34" charset="0"/>
-                <a:cs typeface="Calibri" pitchFamily="34" charset="0"/>
-              </a:rPr>
-              <a:t>Imena autora/ica s godinom objavljivanja citiranog djela koja se koriste u tekstu obavezno se navode u samome tekstu. Svi spomenuti/e autori/ce moraju biti navedeni/e u popisu literature. Prema potrebi, ime se navodi na početku, u sredini ili na kraju rečenice. U druga dva slučaja, ime se navodi u zagradama zajedno s godinom objavljivanja.</a:t>
-            </a:r>
-          </a:p>
-          <a:p>
-            <a:pPr>
-              <a:spcBef>
-                <a:spcPts val="600"/>
-              </a:spcBef>
-              <a:buClr>
-                <a:schemeClr val="tx1"/>
-              </a:buClr>
-              <a:buSzPct val="100000"/>
-              <a:buFont typeface="Calibri" pitchFamily="34" charset="0"/>
-              <a:buChar char="─"/>
-            </a:pPr>
-            <a:r>
-              <a:rPr lang="vi-VN" sz="2000" b="1" dirty="0" smtClean="0">
-                <a:solidFill>
-                  <a:srgbClr val="FFC000"/>
-                </a:solidFill>
-                <a:latin typeface="Calibri" pitchFamily="34" charset="0"/>
-                <a:cs typeface="Calibri" pitchFamily="34" charset="0"/>
-              </a:rPr>
-              <a:t>Primjer:</a:t>
+              <a:rPr lang="hr-HR" sz="2000" dirty="0" smtClean="0">
+                <a:latin typeface="Calibri" pitchFamily="34" charset="0"/>
+                <a:cs typeface="Calibri" pitchFamily="34" charset="0"/>
+              </a:rPr>
+              <a:t>jedan autor znanstvenog članka: </a:t>
             </a:r>
           </a:p>
           <a:p>
@@ -12165,25 +12100,18 @@
               <a:buChar char="─"/>
             </a:pPr>
             <a:r>
-              <a:rPr lang="vi-VN" sz="1800" dirty="0" smtClean="0">
-                <a:latin typeface="Calibri" pitchFamily="34" charset="0"/>
-                <a:cs typeface="Calibri" pitchFamily="34" charset="0"/>
-              </a:rPr>
-              <a:t>Silobrčić (2003) objašnjava kako se izrađuje znanstveni članak.</a:t>
+              <a:rPr lang="hr-HR" sz="1800" dirty="0" err="1" smtClean="0">
+                <a:latin typeface="Calibri" pitchFamily="34" charset="0"/>
+                <a:cs typeface="Calibri" pitchFamily="34" charset="0"/>
+              </a:rPr>
+              <a:t>Stražičić</a:t>
             </a:r>
             <a:r>
               <a:rPr lang="hr-HR" sz="1800" dirty="0" smtClean="0">
                 <a:latin typeface="Calibri" pitchFamily="34" charset="0"/>
                 <a:cs typeface="Calibri" pitchFamily="34" charset="0"/>
               </a:rPr>
-              <a:t> </a:t>
-            </a:r>
-            <a:r>
-              <a:rPr lang="vi-VN" sz="1800" dirty="0" smtClean="0">
-                <a:latin typeface="Calibri" pitchFamily="34" charset="0"/>
-                <a:cs typeface="Calibri" pitchFamily="34" charset="0"/>
-              </a:rPr>
-              <a:t>Na početku znanstvenog članka potrebno je napisati sažetak (Silobrčić, 2003).</a:t>
+              <a:t>, N. (1987.):  Prirodno-geografske značajke kao poticajni i ograničavajući faktor razvoja jadranskih otoka, Pomorski zbornik 25: 39-55. </a:t>
             </a:r>
           </a:p>
           <a:p>
@@ -12199,34 +12127,11 @@
               <a:buChar char="─"/>
             </a:pPr>
             <a:r>
-              <a:rPr lang="vi-VN" sz="2200" dirty="0" smtClean="0">
-                <a:latin typeface="Calibri" pitchFamily="34" charset="0"/>
-                <a:cs typeface="Calibri" pitchFamily="34" charset="0"/>
-              </a:rPr>
-              <a:t>Prilikom citiranja, originalni tekst se stavlja u navodnike, a uz godinu se navodi i stranica s koje je tekst preuzet.</a:t>
-            </a:r>
-          </a:p>
-          <a:p>
-            <a:pPr>
-              <a:spcBef>
-                <a:spcPts val="600"/>
-              </a:spcBef>
-              <a:buClr>
-                <a:schemeClr val="tx1"/>
-              </a:buClr>
-              <a:buSzPct val="100000"/>
-              <a:buFont typeface="Calibri" pitchFamily="34" charset="0"/>
-              <a:buChar char="─"/>
-            </a:pPr>
-            <a:r>
-              <a:rPr lang="vi-VN" sz="2000" b="1" dirty="0" smtClean="0">
-                <a:solidFill>
-                  <a:srgbClr val="FFC000"/>
-                </a:solidFill>
-                <a:latin typeface="Calibri" pitchFamily="34" charset="0"/>
-                <a:cs typeface="Calibri" pitchFamily="34" charset="0"/>
-              </a:rPr>
-              <a:t>Primjer:</a:t>
+              <a:rPr lang="hr-HR" sz="2000" dirty="0" smtClean="0">
+                <a:latin typeface="Calibri" pitchFamily="34" charset="0"/>
+                <a:cs typeface="Calibri" pitchFamily="34" charset="0"/>
+              </a:rPr>
+              <a:t>dva autora knjige (ili članka): </a:t>
             </a:r>
           </a:p>
           <a:p>
@@ -12242,25 +12147,217 @@
               <a:buChar char="─"/>
             </a:pPr>
             <a:r>
-              <a:rPr lang="vi-VN" sz="1800" dirty="0" smtClean="0">
-                <a:latin typeface="Calibri" pitchFamily="34" charset="0"/>
-                <a:cs typeface="Calibri" pitchFamily="34" charset="0"/>
-              </a:rPr>
-              <a:t>„U zasebnom disciplinarnom bavljenju klasičnim sociološkim teorijama uglavnom se koriste dva pristupa: </a:t>
-            </a:r>
-            <a:r>
-              <a:rPr lang="vi-VN" sz="1800" i="1" dirty="0" smtClean="0">
-                <a:latin typeface="Calibri" pitchFamily="34" charset="0"/>
-                <a:cs typeface="Calibri" pitchFamily="34" charset="0"/>
-              </a:rPr>
-              <a:t>povijesno-kronološki i problematski</a:t>
-            </a:r>
-            <a:r>
-              <a:rPr lang="vi-VN" sz="1800" dirty="0" smtClean="0">
-                <a:latin typeface="Calibri" pitchFamily="34" charset="0"/>
-                <a:cs typeface="Calibri" pitchFamily="34" charset="0"/>
-              </a:rPr>
-              <a:t>“ (Kalanj, 2005: 22).</a:t>
+              <a:rPr lang="hr-HR" sz="1800" dirty="0" smtClean="0">
+                <a:latin typeface="Calibri" pitchFamily="34" charset="0"/>
+                <a:cs typeface="Calibri" pitchFamily="34" charset="0"/>
+              </a:rPr>
+              <a:t>Crkvenčić, I., </a:t>
+            </a:r>
+            <a:r>
+              <a:rPr lang="hr-HR" sz="1800" dirty="0" err="1" smtClean="0">
+                <a:latin typeface="Calibri" pitchFamily="34" charset="0"/>
+                <a:cs typeface="Calibri" pitchFamily="34" charset="0"/>
+              </a:rPr>
+              <a:t>Malić</a:t>
+            </a:r>
+            <a:r>
+              <a:rPr lang="hr-HR" sz="1800" dirty="0" smtClean="0">
+                <a:latin typeface="Calibri" pitchFamily="34" charset="0"/>
+                <a:cs typeface="Calibri" pitchFamily="34" charset="0"/>
+              </a:rPr>
+              <a:t>, A. (1988.): Agrarna geografija, Školska knjiga, Zagreb. </a:t>
+            </a:r>
+          </a:p>
+          <a:p>
+            <a:pPr>
+              <a:spcBef>
+                <a:spcPts val="1800"/>
+              </a:spcBef>
+              <a:buClr>
+                <a:schemeClr val="tx1"/>
+              </a:buClr>
+              <a:buSzPct val="100000"/>
+              <a:buFont typeface="Calibri" pitchFamily="34" charset="0"/>
+              <a:buChar char="─"/>
+            </a:pPr>
+            <a:r>
+              <a:rPr lang="hr-HR" sz="2000" dirty="0" smtClean="0">
+                <a:latin typeface="Calibri" pitchFamily="34" charset="0"/>
+                <a:cs typeface="Calibri" pitchFamily="34" charset="0"/>
+              </a:rPr>
+              <a:t>U popisu literature iza kratice URL navodi se cijela web adresa s datumom  preuzimanja podataka  </a:t>
+            </a:r>
+          </a:p>
+          <a:p>
+            <a:pPr lvl="1">
+              <a:spcBef>
+                <a:spcPts val="600"/>
+              </a:spcBef>
+              <a:buClr>
+                <a:schemeClr val="tx1"/>
+              </a:buClr>
+              <a:buSzPct val="100000"/>
+              <a:buFont typeface="Calibri" pitchFamily="34" charset="0"/>
+              <a:buChar char="─"/>
+            </a:pPr>
+            <a:r>
+              <a:rPr lang="hr-HR" sz="1800" dirty="0" smtClean="0">
+                <a:latin typeface="Calibri" pitchFamily="34" charset="0"/>
+                <a:cs typeface="Calibri" pitchFamily="34" charset="0"/>
+              </a:rPr>
+              <a:t>URL1: http://imagine.gsfc.nasa.gov/</a:t>
+            </a:r>
+            <a:r>
+              <a:rPr lang="hr-HR" sz="1800" dirty="0" err="1" smtClean="0">
+                <a:latin typeface="Calibri" pitchFamily="34" charset="0"/>
+                <a:cs typeface="Calibri" pitchFamily="34" charset="0"/>
+              </a:rPr>
+              <a:t>docs</a:t>
+            </a:r>
+            <a:r>
+              <a:rPr lang="hr-HR" sz="1800" dirty="0" smtClean="0">
+                <a:latin typeface="Calibri" pitchFamily="34" charset="0"/>
+                <a:cs typeface="Calibri" pitchFamily="34" charset="0"/>
+              </a:rPr>
+              <a:t>/</a:t>
+            </a:r>
+            <a:r>
+              <a:rPr lang="hr-HR" sz="1800" dirty="0" err="1" smtClean="0">
+                <a:latin typeface="Calibri" pitchFamily="34" charset="0"/>
+                <a:cs typeface="Calibri" pitchFamily="34" charset="0"/>
+              </a:rPr>
+              <a:t>ask</a:t>
+            </a:r>
+            <a:r>
+              <a:rPr lang="hr-HR" sz="1800" dirty="0" smtClean="0">
+                <a:latin typeface="Calibri" pitchFamily="34" charset="0"/>
+                <a:cs typeface="Calibri" pitchFamily="34" charset="0"/>
+              </a:rPr>
+              <a:t>_</a:t>
+            </a:r>
+            <a:r>
+              <a:rPr lang="hr-HR" sz="1800" dirty="0" err="1" smtClean="0">
+                <a:latin typeface="Calibri" pitchFamily="34" charset="0"/>
+                <a:cs typeface="Calibri" pitchFamily="34" charset="0"/>
+              </a:rPr>
+              <a:t>astro</a:t>
+            </a:r>
+            <a:r>
+              <a:rPr lang="hr-HR" sz="1800" dirty="0" smtClean="0">
+                <a:latin typeface="Calibri" pitchFamily="34" charset="0"/>
+                <a:cs typeface="Calibri" pitchFamily="34" charset="0"/>
+              </a:rPr>
+              <a:t>/</a:t>
+            </a:r>
+            <a:r>
+              <a:rPr lang="hr-HR" sz="1800" dirty="0" err="1" smtClean="0">
+                <a:latin typeface="Calibri" pitchFamily="34" charset="0"/>
+                <a:cs typeface="Calibri" pitchFamily="34" charset="0"/>
+              </a:rPr>
+              <a:t>answers</a:t>
+            </a:r>
+            <a:r>
+              <a:rPr lang="hr-HR" sz="1800" dirty="0" smtClean="0">
+                <a:latin typeface="Calibri" pitchFamily="34" charset="0"/>
+                <a:cs typeface="Calibri" pitchFamily="34" charset="0"/>
+              </a:rPr>
+              <a:t>/970401c.html, 10. 03. 2009. </a:t>
+            </a:r>
+          </a:p>
+          <a:p>
+            <a:pPr>
+              <a:spcBef>
+                <a:spcPts val="1800"/>
+              </a:spcBef>
+              <a:buClr>
+                <a:schemeClr val="tx1"/>
+              </a:buClr>
+              <a:buSzPct val="100000"/>
+              <a:buFont typeface="Calibri" pitchFamily="34" charset="0"/>
+              <a:buChar char="─"/>
+            </a:pPr>
+            <a:r>
+              <a:rPr lang="hr-HR" sz="2000" dirty="0" smtClean="0">
+                <a:latin typeface="Calibri" pitchFamily="34" charset="0"/>
+                <a:cs typeface="Calibri" pitchFamily="34" charset="0"/>
+              </a:rPr>
+              <a:t>Kada je poznat autor i naslov teksta objavljenog na nekoj web stranici onda se takav tekst referira kao i bilo koji tiskani izvori podataka, a u zagrade se piše web lokacija s datumom preuzimanja teksta </a:t>
+            </a:r>
+          </a:p>
+          <a:p>
+            <a:pPr lvl="1">
+              <a:spcBef>
+                <a:spcPts val="600"/>
+              </a:spcBef>
+              <a:buClr>
+                <a:schemeClr val="tx1"/>
+              </a:buClr>
+              <a:buSzPct val="100000"/>
+              <a:buFont typeface="Calibri" pitchFamily="34" charset="0"/>
+              <a:buChar char="─"/>
+            </a:pPr>
+            <a:r>
+              <a:rPr lang="hr-HR" sz="1800" dirty="0" smtClean="0">
+                <a:latin typeface="Calibri" pitchFamily="34" charset="0"/>
+                <a:cs typeface="Calibri" pitchFamily="34" charset="0"/>
+              </a:rPr>
+              <a:t>Cvitanović, M. (2008.):  Etnički identiteti: crtica iz kolonijalnog života u Africi,  www.geografija.hr (http://geografija.sabirnica.net/</a:t>
+            </a:r>
+            <a:r>
+              <a:rPr lang="hr-HR" sz="1800" dirty="0" err="1" smtClean="0">
+                <a:latin typeface="Calibri" pitchFamily="34" charset="0"/>
+                <a:cs typeface="Calibri" pitchFamily="34" charset="0"/>
+              </a:rPr>
+              <a:t>clanci</a:t>
+            </a:r>
+            <a:r>
+              <a:rPr lang="hr-HR" sz="1800" dirty="0" smtClean="0">
+                <a:latin typeface="Calibri" pitchFamily="34" charset="0"/>
+                <a:cs typeface="Calibri" pitchFamily="34" charset="0"/>
+              </a:rPr>
+              <a:t>/1433/</a:t>
+            </a:r>
+            <a:r>
+              <a:rPr lang="hr-HR" sz="1800" dirty="0" err="1" smtClean="0">
+                <a:latin typeface="Calibri" pitchFamily="34" charset="0"/>
+                <a:cs typeface="Calibri" pitchFamily="34" charset="0"/>
+              </a:rPr>
+              <a:t>etnicki</a:t>
+            </a:r>
+            <a:r>
+              <a:rPr lang="hr-HR" sz="1800" dirty="0" smtClean="0">
+                <a:latin typeface="Calibri" pitchFamily="34" charset="0"/>
+                <a:cs typeface="Calibri" pitchFamily="34" charset="0"/>
+              </a:rPr>
+              <a:t>-identiteti-crtica-</a:t>
+            </a:r>
+            <a:r>
+              <a:rPr lang="hr-HR" sz="1800" dirty="0" err="1" smtClean="0">
+                <a:latin typeface="Calibri" pitchFamily="34" charset="0"/>
+                <a:cs typeface="Calibri" pitchFamily="34" charset="0"/>
+              </a:rPr>
+              <a:t>izkolonijalnog</a:t>
+            </a:r>
+            <a:r>
+              <a:rPr lang="hr-HR" sz="1800" dirty="0" smtClean="0">
+                <a:latin typeface="Calibri" pitchFamily="34" charset="0"/>
+                <a:cs typeface="Calibri" pitchFamily="34" charset="0"/>
+              </a:rPr>
+              <a:t>-</a:t>
+            </a:r>
+            <a:r>
+              <a:rPr lang="hr-HR" sz="1800" dirty="0" err="1" smtClean="0">
+                <a:latin typeface="Calibri" pitchFamily="34" charset="0"/>
+                <a:cs typeface="Calibri" pitchFamily="34" charset="0"/>
+              </a:rPr>
+              <a:t>zivota</a:t>
+            </a:r>
+            <a:r>
+              <a:rPr lang="hr-HR" sz="1800" dirty="0" smtClean="0">
+                <a:latin typeface="Calibri" pitchFamily="34" charset="0"/>
+                <a:cs typeface="Calibri" pitchFamily="34" charset="0"/>
+              </a:rPr>
+              <a:t>-u-africi, 10. 03. 2009.)</a:t>
             </a:r>
           </a:p>
         </p:txBody>
@@ -12277,7 +12374,7 @@
         </p:nvSpPr>
         <p:spPr>
           <a:xfrm>
-            <a:off x="467544" y="64634"/>
+            <a:off x="395536" y="64634"/>
             <a:ext cx="8643966" cy="700070"/>
           </a:xfrm>
         </p:spPr>
@@ -12285,22 +12382,18 @@
           <a:bodyPr/>
           <a:lstStyle/>
           <a:p>
-            <a:pPr>
-              <a:spcBef>
-                <a:spcPts val="600"/>
-              </a:spcBef>
-            </a:pPr>
-            <a:r>
-              <a:rPr lang="vi-VN" dirty="0" smtClean="0"/>
-              <a:t>Kako navoditi literaturu u tekstu</a:t>
-            </a:r>
+            <a:r>
+              <a:rPr lang="hr-HR" sz="3200" dirty="0" smtClean="0"/>
+              <a:t>Primjeri navođenja literature (na kraju rada)</a:t>
+            </a:r>
+            <a:endParaRPr lang="hr-HR" sz="3200" dirty="0"/>
           </a:p>
         </p:txBody>
       </p:sp>
     </p:spTree>
     <p:extLst>
       <p:ext uri="{BB962C8B-B14F-4D97-AF65-F5344CB8AC3E}">
-        <p14:creationId xmlns:p14="http://schemas.microsoft.com/office/powerpoint/2010/main" val="297857356"/>
+        <p14:creationId xmlns:p14="http://schemas.microsoft.com/office/powerpoint/2010/main" val="2188843877"/>
       </p:ext>
     </p:extLst>
   </p:cSld>
